--- a/Introduccion a NoSql-Mongodb.pptx
+++ b/Introduccion a NoSql-Mongodb.pptx
@@ -19,9 +19,30 @@
     <p:sldId id="268" r:id="rId13"/>
     <p:sldId id="267" r:id="rId14"/>
     <p:sldId id="269" r:id="rId15"/>
-    <p:sldId id="270" r:id="rId16"/>
-    <p:sldId id="272" r:id="rId17"/>
-    <p:sldId id="273" r:id="rId18"/>
+    <p:sldId id="272" r:id="rId16"/>
+    <p:sldId id="270" r:id="rId17"/>
+    <p:sldId id="276" r:id="rId18"/>
+    <p:sldId id="277" r:id="rId19"/>
+    <p:sldId id="279" r:id="rId20"/>
+    <p:sldId id="280" r:id="rId21"/>
+    <p:sldId id="275" r:id="rId22"/>
+    <p:sldId id="278" r:id="rId23"/>
+    <p:sldId id="281" r:id="rId24"/>
+    <p:sldId id="282" r:id="rId25"/>
+    <p:sldId id="283" r:id="rId26"/>
+    <p:sldId id="295" r:id="rId27"/>
+    <p:sldId id="284" r:id="rId28"/>
+    <p:sldId id="288" r:id="rId29"/>
+    <p:sldId id="289" r:id="rId30"/>
+    <p:sldId id="290" r:id="rId31"/>
+    <p:sldId id="291" r:id="rId32"/>
+    <p:sldId id="286" r:id="rId33"/>
+    <p:sldId id="293" r:id="rId34"/>
+    <p:sldId id="294" r:id="rId35"/>
+    <p:sldId id="296" r:id="rId36"/>
+    <p:sldId id="292" r:id="rId37"/>
+    <p:sldId id="287" r:id="rId38"/>
+    <p:sldId id="274" r:id="rId39"/>
   </p:sldIdLst>
   <p:sldSz cx="12192000" cy="6858000"/>
   <p:notesSz cx="6858000" cy="9144000"/>
@@ -298,7 +319,7 @@
           <a:p>
             <a:fld id="{4A50D591-C8BC-4E9A-BE09-2088E8DD3155}" type="datetimeFigureOut">
               <a:rPr lang="es-CO" smtClean="0"/>
-              <a:t>13/01/2020</a:t>
+              <a:t>19/01/2020</a:t>
             </a:fld>
             <a:endParaRPr lang="es-CO"/>
           </a:p>
@@ -565,7 +586,7 @@
           <a:p>
             <a:fld id="{4A50D591-C8BC-4E9A-BE09-2088E8DD3155}" type="datetimeFigureOut">
               <a:rPr lang="es-CO" smtClean="0"/>
-              <a:t>13/01/2020</a:t>
+              <a:t>19/01/2020</a:t>
             </a:fld>
             <a:endParaRPr lang="es-CO"/>
           </a:p>
@@ -796,7 +817,7 @@
           <a:p>
             <a:fld id="{4A50D591-C8BC-4E9A-BE09-2088E8DD3155}" type="datetimeFigureOut">
               <a:rPr lang="es-CO" smtClean="0"/>
-              <a:t>13/01/2020</a:t>
+              <a:t>19/01/2020</a:t>
             </a:fld>
             <a:endParaRPr lang="es-CO"/>
           </a:p>
@@ -1106,7 +1127,7 @@
           <a:p>
             <a:fld id="{4A50D591-C8BC-4E9A-BE09-2088E8DD3155}" type="datetimeFigureOut">
               <a:rPr lang="es-CO" smtClean="0"/>
-              <a:t>13/01/2020</a:t>
+              <a:t>19/01/2020</a:t>
             </a:fld>
             <a:endParaRPr lang="es-CO"/>
           </a:p>
@@ -1579,7 +1600,7 @@
           <a:p>
             <a:fld id="{4A50D591-C8BC-4E9A-BE09-2088E8DD3155}" type="datetimeFigureOut">
               <a:rPr lang="es-CO" smtClean="0"/>
-              <a:t>13/01/2020</a:t>
+              <a:t>19/01/2020</a:t>
             </a:fld>
             <a:endParaRPr lang="es-CO"/>
           </a:p>
@@ -2126,7 +2147,7 @@
           <a:p>
             <a:fld id="{4A50D591-C8BC-4E9A-BE09-2088E8DD3155}" type="datetimeFigureOut">
               <a:rPr lang="es-CO" smtClean="0"/>
-              <a:t>13/01/2020</a:t>
+              <a:t>19/01/2020</a:t>
             </a:fld>
             <a:endParaRPr lang="es-CO"/>
           </a:p>
@@ -2900,7 +2921,7 @@
           <a:p>
             <a:fld id="{4A50D591-C8BC-4E9A-BE09-2088E8DD3155}" type="datetimeFigureOut">
               <a:rPr lang="es-CO" smtClean="0"/>
-              <a:t>13/01/2020</a:t>
+              <a:t>19/01/2020</a:t>
             </a:fld>
             <a:endParaRPr lang="es-CO"/>
           </a:p>
@@ -3075,7 +3096,7 @@
           <a:p>
             <a:fld id="{4A50D591-C8BC-4E9A-BE09-2088E8DD3155}" type="datetimeFigureOut">
               <a:rPr lang="es-CO" smtClean="0"/>
-              <a:t>13/01/2020</a:t>
+              <a:t>19/01/2020</a:t>
             </a:fld>
             <a:endParaRPr lang="es-CO"/>
           </a:p>
@@ -3298,7 +3319,7 @@
           <a:p>
             <a:fld id="{4A50D591-C8BC-4E9A-BE09-2088E8DD3155}" type="datetimeFigureOut">
               <a:rPr lang="es-CO" smtClean="0"/>
-              <a:t>13/01/2020</a:t>
+              <a:t>19/01/2020</a:t>
             </a:fld>
             <a:endParaRPr lang="es-CO"/>
           </a:p>
@@ -3478,7 +3499,7 @@
           <a:p>
             <a:fld id="{4A50D591-C8BC-4E9A-BE09-2088E8DD3155}" type="datetimeFigureOut">
               <a:rPr lang="es-CO" smtClean="0"/>
-              <a:t>13/01/2020</a:t>
+              <a:t>19/01/2020</a:t>
             </a:fld>
             <a:endParaRPr lang="es-CO"/>
           </a:p>
@@ -3767,7 +3788,7 @@
           <a:p>
             <a:fld id="{4A50D591-C8BC-4E9A-BE09-2088E8DD3155}" type="datetimeFigureOut">
               <a:rPr lang="es-CO" smtClean="0"/>
-              <a:t>13/01/2020</a:t>
+              <a:t>19/01/2020</a:t>
             </a:fld>
             <a:endParaRPr lang="es-CO"/>
           </a:p>
@@ -4009,7 +4030,7 @@
           <a:p>
             <a:fld id="{4A50D591-C8BC-4E9A-BE09-2088E8DD3155}" type="datetimeFigureOut">
               <a:rPr lang="es-CO" smtClean="0"/>
-              <a:t>13/01/2020</a:t>
+              <a:t>19/01/2020</a:t>
             </a:fld>
             <a:endParaRPr lang="es-CO"/>
           </a:p>
@@ -4388,7 +4409,7 @@
           <a:p>
             <a:fld id="{4A50D591-C8BC-4E9A-BE09-2088E8DD3155}" type="datetimeFigureOut">
               <a:rPr lang="es-CO" smtClean="0"/>
-              <a:t>13/01/2020</a:t>
+              <a:t>19/01/2020</a:t>
             </a:fld>
             <a:endParaRPr lang="es-CO"/>
           </a:p>
@@ -4506,7 +4527,7 @@
           <a:p>
             <a:fld id="{4A50D591-C8BC-4E9A-BE09-2088E8DD3155}" type="datetimeFigureOut">
               <a:rPr lang="es-CO" smtClean="0"/>
-              <a:t>13/01/2020</a:t>
+              <a:t>19/01/2020</a:t>
             </a:fld>
             <a:endParaRPr lang="es-CO"/>
           </a:p>
@@ -4601,7 +4622,7 @@
           <a:p>
             <a:fld id="{4A50D591-C8BC-4E9A-BE09-2088E8DD3155}" type="datetimeFigureOut">
               <a:rPr lang="es-CO" smtClean="0"/>
-              <a:t>13/01/2020</a:t>
+              <a:t>19/01/2020</a:t>
             </a:fld>
             <a:endParaRPr lang="es-CO"/>
           </a:p>
@@ -4850,7 +4871,7 @@
           <a:p>
             <a:fld id="{4A50D591-C8BC-4E9A-BE09-2088E8DD3155}" type="datetimeFigureOut">
               <a:rPr lang="es-CO" smtClean="0"/>
-              <a:t>13/01/2020</a:t>
+              <a:t>19/01/2020</a:t>
             </a:fld>
             <a:endParaRPr lang="es-CO"/>
           </a:p>
@@ -5107,7 +5128,7 @@
           <a:p>
             <a:fld id="{4A50D591-C8BC-4E9A-BE09-2088E8DD3155}" type="datetimeFigureOut">
               <a:rPr lang="es-CO" smtClean="0"/>
-              <a:t>13/01/2020</a:t>
+              <a:t>19/01/2020</a:t>
             </a:fld>
             <a:endParaRPr lang="es-CO"/>
           </a:p>
@@ -5350,7 +5371,7 @@
           <a:p>
             <a:fld id="{4A50D591-C8BC-4E9A-BE09-2088E8DD3155}" type="datetimeFigureOut">
               <a:rPr lang="es-CO" smtClean="0"/>
-              <a:t>13/01/2020</a:t>
+              <a:t>19/01/2020</a:t>
             </a:fld>
             <a:endParaRPr lang="es-CO"/>
           </a:p>
@@ -7370,144 +7391,57 @@
           <a:chExt cx="0" cy="0"/>
         </a:xfrm>
       </p:grpSpPr>
-      <p:sp>
-        <p:nvSpPr>
-          <p:cNvPr id="2" name="Título 1">
+      <p:pic>
+        <p:nvPicPr>
+          <p:cNvPr id="1026" name="Picture 2" descr="Resultado de imagen para javascript">
             <a:extLst>
               <a:ext uri="{FF2B5EF4-FFF2-40B4-BE49-F238E27FC236}">
-                <a16:creationId xmlns:a16="http://schemas.microsoft.com/office/drawing/2014/main" id="{69115CF5-C71D-4EF2-9A29-758589C54152}"/>
+                <a16:creationId xmlns:a16="http://schemas.microsoft.com/office/drawing/2014/main" id="{2EADFA1D-C6CB-4204-A691-563A57D4CD4A}"/>
               </a:ext>
             </a:extLst>
           </p:cNvPr>
-          <p:cNvSpPr>
-            <a:spLocks noGrp="1"/>
-          </p:cNvSpPr>
-          <p:nvPr>
-            <p:ph type="title"/>
-          </p:nvPr>
-        </p:nvSpPr>
-        <p:spPr>
-          <a:xfrm>
-            <a:off x="2908634" y="639315"/>
-            <a:ext cx="6374732" cy="1143727"/>
-          </a:xfrm>
-          <a:ln>
-            <a:solidFill>
-              <a:schemeClr val="accent1">
-                <a:lumMod val="60000"/>
-                <a:lumOff val="40000"/>
-              </a:schemeClr>
-            </a:solidFill>
-          </a:ln>
-        </p:spPr>
-        <p:txBody>
-          <a:bodyPr>
-            <a:normAutofit/>
-          </a:bodyPr>
-          <a:lstStyle/>
-          <a:p>
-            <a:pPr algn="ctr"/>
-            <a:r>
-              <a:rPr lang="es-CO" dirty="0"/>
-              <a:t>Formato</a:t>
-            </a:r>
-          </a:p>
-        </p:txBody>
-      </p:sp>
-      <p:sp>
-        <p:nvSpPr>
-          <p:cNvPr id="3" name="Marcador de contenido 2">
-            <a:extLst>
-              <a:ext uri="{FF2B5EF4-FFF2-40B4-BE49-F238E27FC236}">
-                <a16:creationId xmlns:a16="http://schemas.microsoft.com/office/drawing/2014/main" id="{4AD42C8C-8B68-4A4D-AF1D-EF32C4EBBB10}"/>
-              </a:ext>
-            </a:extLst>
-          </p:cNvPr>
-          <p:cNvSpPr>
-            <a:spLocks noGrp="1"/>
-          </p:cNvSpPr>
-          <p:nvPr>
-            <p:ph idx="1"/>
-          </p:nvPr>
-        </p:nvSpPr>
-        <p:spPr>
-          <a:xfrm>
-            <a:off x="944479" y="2598820"/>
-            <a:ext cx="10303042" cy="3308820"/>
-          </a:xfrm>
-        </p:spPr>
-        <p:txBody>
-          <a:bodyPr>
-            <a:noAutofit/>
-          </a:bodyPr>
-          <a:lstStyle/>
-          <a:p>
-            <a:r>
-              <a:rPr lang="es-CO" sz="2800" dirty="0" err="1"/>
-              <a:t>Databases</a:t>
-            </a:r>
-            <a:r>
-              <a:rPr lang="es-CO" sz="2800" dirty="0"/>
-              <a:t>.</a:t>
-            </a:r>
-          </a:p>
-          <a:p>
-            <a:r>
-              <a:rPr lang="es-CO" sz="2800" dirty="0"/>
-              <a:t>Colecciones.</a:t>
-            </a:r>
-          </a:p>
-          <a:p>
-            <a:r>
-              <a:rPr lang="es-CO" sz="2800" dirty="0"/>
-              <a:t>JSON: JavaScript </a:t>
-            </a:r>
-            <a:r>
-              <a:rPr lang="es-CO" sz="2800" dirty="0" err="1"/>
-              <a:t>Object</a:t>
-            </a:r>
-            <a:r>
-              <a:rPr lang="es-CO" sz="2800" dirty="0"/>
-              <a:t> </a:t>
-            </a:r>
-            <a:r>
-              <a:rPr lang="es-CO" sz="2800" dirty="0" err="1"/>
-              <a:t>Notation</a:t>
-            </a:r>
-            <a:r>
-              <a:rPr lang="es-CO" sz="2800" dirty="0"/>
-              <a:t>.</a:t>
-            </a:r>
-          </a:p>
-          <a:p>
-            <a:pPr lvl="1"/>
-            <a:r>
-              <a:rPr lang="es-CO" sz="2600" dirty="0"/>
-              <a:t>BSON: representación binaria de estructuras de datos y mapas. (Formato de almacenamiento interno).</a:t>
-            </a:r>
-            <a:r>
-              <a:rPr lang="es-CO" sz="2600" b="1" dirty="0"/>
-              <a:t>BSON</a:t>
-            </a:r>
-            <a:r>
-              <a:rPr lang="es-CO" sz="2600" dirty="0"/>
-              <a:t> está basado en el término JSON y significa </a:t>
-            </a:r>
-            <a:r>
-              <a:rPr lang="es-CO" sz="2600" dirty="0" err="1"/>
-              <a:t>Binary</a:t>
-            </a:r>
-            <a:r>
-              <a:rPr lang="es-CO" sz="2600" dirty="0"/>
-              <a:t> JSON (JSON Binario).</a:t>
-            </a:r>
-          </a:p>
-        </p:txBody>
-      </p:sp>
+          <p:cNvPicPr>
+            <a:picLocks noChangeAspect="1" noChangeArrowheads="1"/>
+          </p:cNvPicPr>
+          <p:nvPr/>
+        </p:nvPicPr>
+        <p:blipFill>
+          <a:blip r:embed="rId2">
+            <a:extLst>
+              <a:ext uri="{28A0092B-C50C-407E-A947-70E740481C1C}">
+                <a14:useLocalDpi xmlns:a14="http://schemas.microsoft.com/office/drawing/2010/main" val="0"/>
+              </a:ext>
+            </a:extLst>
+          </a:blip>
+          <a:srcRect/>
+          <a:stretch>
+            <a:fillRect/>
+          </a:stretch>
+        </p:blipFill>
+        <p:spPr bwMode="auto">
+          <a:xfrm>
+            <a:off x="3980645" y="1313645"/>
+            <a:ext cx="4230710" cy="4230710"/>
+          </a:xfrm>
+          <a:prstGeom prst="rect">
+            <a:avLst/>
+          </a:prstGeom>
+          <a:noFill/>
+          <a:extLst>
+            <a:ext uri="{909E8E84-426E-40DD-AFC4-6F175D3DCCD1}">
+              <a14:hiddenFill xmlns:a14="http://schemas.microsoft.com/office/drawing/2010/main">
+                <a:solidFill>
+                  <a:srgbClr val="FFFFFF"/>
+                </a:solidFill>
+              </a14:hiddenFill>
+            </a:ext>
+          </a:extLst>
+        </p:spPr>
+      </p:pic>
     </p:spTree>
     <p:extLst>
       <p:ext uri="{BB962C8B-B14F-4D97-AF65-F5344CB8AC3E}">
-        <p14:creationId xmlns:p14="http://schemas.microsoft.com/office/powerpoint/2010/main" val="3612309921"/>
+        <p14:creationId xmlns:p14="http://schemas.microsoft.com/office/powerpoint/2010/main" val="3720659270"/>
       </p:ext>
     </p:extLst>
   </p:cSld>
@@ -7534,57 +7468,152 @@
           <a:chExt cx="0" cy="0"/>
         </a:xfrm>
       </p:grpSpPr>
-      <p:pic>
-        <p:nvPicPr>
-          <p:cNvPr id="1026" name="Picture 2" descr="Resultado de imagen para javascript">
+      <p:sp>
+        <p:nvSpPr>
+          <p:cNvPr id="2" name="Título 1">
             <a:extLst>
               <a:ext uri="{FF2B5EF4-FFF2-40B4-BE49-F238E27FC236}">
-                <a16:creationId xmlns:a16="http://schemas.microsoft.com/office/drawing/2014/main" id="{2EADFA1D-C6CB-4204-A691-563A57D4CD4A}"/>
+                <a16:creationId xmlns:a16="http://schemas.microsoft.com/office/drawing/2014/main" id="{69115CF5-C71D-4EF2-9A29-758589C54152}"/>
               </a:ext>
             </a:extLst>
           </p:cNvPr>
-          <p:cNvPicPr>
-            <a:picLocks noChangeAspect="1" noChangeArrowheads="1"/>
-          </p:cNvPicPr>
-          <p:nvPr/>
-        </p:nvPicPr>
-        <p:blipFill>
-          <a:blip r:embed="rId2">
-            <a:extLst>
-              <a:ext uri="{28A0092B-C50C-407E-A947-70E740481C1C}">
-                <a14:useLocalDpi xmlns:a14="http://schemas.microsoft.com/office/drawing/2010/main" val="0"/>
-              </a:ext>
-            </a:extLst>
-          </a:blip>
-          <a:srcRect/>
-          <a:stretch>
-            <a:fillRect/>
-          </a:stretch>
-        </p:blipFill>
-        <p:spPr bwMode="auto">
-          <a:xfrm>
-            <a:off x="3980645" y="1313645"/>
-            <a:ext cx="4230710" cy="4230710"/>
-          </a:xfrm>
-          <a:prstGeom prst="rect">
-            <a:avLst/>
-          </a:prstGeom>
-          <a:noFill/>
-          <a:extLst>
-            <a:ext uri="{909E8E84-426E-40DD-AFC4-6F175D3DCCD1}">
-              <a14:hiddenFill xmlns:a14="http://schemas.microsoft.com/office/drawing/2010/main">
-                <a:solidFill>
-                  <a:srgbClr val="FFFFFF"/>
-                </a:solidFill>
-              </a14:hiddenFill>
-            </a:ext>
-          </a:extLst>
-        </p:spPr>
-      </p:pic>
+          <p:cNvSpPr>
+            <a:spLocks noGrp="1"/>
+          </p:cNvSpPr>
+          <p:nvPr>
+            <p:ph type="title"/>
+          </p:nvPr>
+        </p:nvSpPr>
+        <p:spPr>
+          <a:xfrm>
+            <a:off x="2908634" y="639315"/>
+            <a:ext cx="6374732" cy="1143727"/>
+          </a:xfrm>
+          <a:ln>
+            <a:solidFill>
+              <a:schemeClr val="accent1">
+                <a:lumMod val="60000"/>
+                <a:lumOff val="40000"/>
+              </a:schemeClr>
+            </a:solidFill>
+          </a:ln>
+        </p:spPr>
+        <p:txBody>
+          <a:bodyPr>
+            <a:normAutofit/>
+          </a:bodyPr>
+          <a:lstStyle/>
+          <a:p>
+            <a:pPr algn="ctr"/>
+            <a:r>
+              <a:rPr lang="es-CO" dirty="0"/>
+              <a:t>Formato</a:t>
+            </a:r>
+          </a:p>
+        </p:txBody>
+      </p:sp>
+      <p:sp>
+        <p:nvSpPr>
+          <p:cNvPr id="3" name="Marcador de contenido 2">
+            <a:extLst>
+              <a:ext uri="{FF2B5EF4-FFF2-40B4-BE49-F238E27FC236}">
+                <a16:creationId xmlns:a16="http://schemas.microsoft.com/office/drawing/2014/main" id="{4AD42C8C-8B68-4A4D-AF1D-EF32C4EBBB10}"/>
+              </a:ext>
+            </a:extLst>
+          </p:cNvPr>
+          <p:cNvSpPr>
+            <a:spLocks noGrp="1"/>
+          </p:cNvSpPr>
+          <p:nvPr>
+            <p:ph idx="1"/>
+          </p:nvPr>
+        </p:nvSpPr>
+        <p:spPr>
+          <a:xfrm>
+            <a:off x="944479" y="2598820"/>
+            <a:ext cx="10303042" cy="3308820"/>
+          </a:xfrm>
+        </p:spPr>
+        <p:txBody>
+          <a:bodyPr>
+            <a:noAutofit/>
+          </a:bodyPr>
+          <a:lstStyle/>
+          <a:p>
+            <a:r>
+              <a:rPr lang="es-CO" sz="2800" dirty="0" err="1"/>
+              <a:t>Databases</a:t>
+            </a:r>
+            <a:r>
+              <a:rPr lang="es-CO" sz="2800" dirty="0"/>
+              <a:t>.</a:t>
+            </a:r>
+          </a:p>
+          <a:p>
+            <a:r>
+              <a:rPr lang="es-CO" sz="2800" dirty="0" err="1"/>
+              <a:t>Collections</a:t>
+            </a:r>
+            <a:r>
+              <a:rPr lang="es-CO" sz="2800" dirty="0"/>
+              <a:t>.</a:t>
+            </a:r>
+          </a:p>
+          <a:p>
+            <a:r>
+              <a:rPr lang="es-CO" sz="2800" dirty="0" err="1"/>
+              <a:t>Documents</a:t>
+            </a:r>
+            <a:r>
+              <a:rPr lang="es-CO" sz="2800" dirty="0"/>
+              <a:t>-JSON: JavaScript </a:t>
+            </a:r>
+            <a:r>
+              <a:rPr lang="es-CO" sz="2800" dirty="0" err="1"/>
+              <a:t>Object</a:t>
+            </a:r>
+            <a:r>
+              <a:rPr lang="es-CO" sz="2800" dirty="0"/>
+              <a:t> </a:t>
+            </a:r>
+            <a:r>
+              <a:rPr lang="es-CO" sz="2800" dirty="0" err="1"/>
+              <a:t>Notation</a:t>
+            </a:r>
+            <a:r>
+              <a:rPr lang="es-CO" sz="2800" dirty="0"/>
+              <a:t>.</a:t>
+            </a:r>
+          </a:p>
+          <a:p>
+            <a:pPr lvl="1"/>
+            <a:r>
+              <a:rPr lang="es-CO" sz="2600" dirty="0"/>
+              <a:t>BSON: representación binaria de estructuras de datos y mapas. (Formato de almacenamiento interno).</a:t>
+            </a:r>
+            <a:r>
+              <a:rPr lang="es-CO" sz="2600" b="1" dirty="0"/>
+              <a:t>BSON</a:t>
+            </a:r>
+            <a:r>
+              <a:rPr lang="es-CO" sz="2600" dirty="0"/>
+              <a:t> está basado en el término JSON y significa </a:t>
+            </a:r>
+            <a:r>
+              <a:rPr lang="es-CO" sz="2600" dirty="0" err="1"/>
+              <a:t>Binary</a:t>
+            </a:r>
+            <a:r>
+              <a:rPr lang="es-CO" sz="2600" dirty="0"/>
+              <a:t> JSON (JSON Binario).</a:t>
+            </a:r>
+          </a:p>
+        </p:txBody>
+      </p:sp>
     </p:spTree>
     <p:extLst>
       <p:ext uri="{BB962C8B-B14F-4D97-AF65-F5344CB8AC3E}">
-        <p14:creationId xmlns:p14="http://schemas.microsoft.com/office/powerpoint/2010/main" val="3720659270"/>
+        <p14:creationId xmlns:p14="http://schemas.microsoft.com/office/powerpoint/2010/main" val="3612309921"/>
       </p:ext>
     </p:extLst>
   </p:cSld>
@@ -7629,12 +7658,12 @@
         </p:nvSpPr>
         <p:spPr>
           <a:xfrm>
-            <a:off x="2908634" y="2326106"/>
-            <a:ext cx="6374732" cy="1989220"/>
+            <a:off x="2908634" y="639315"/>
+            <a:ext cx="6374732" cy="1143727"/>
           </a:xfrm>
           <a:ln>
             <a:solidFill>
-              <a:schemeClr val="accent2">
+              <a:schemeClr val="accent1">
                 <a:lumMod val="60000"/>
                 <a:lumOff val="40000"/>
               </a:schemeClr>
@@ -7643,23 +7672,257 @@
         </p:spPr>
         <p:txBody>
           <a:bodyPr>
+            <a:normAutofit fontScale="90000"/>
+          </a:bodyPr>
+          <a:lstStyle/>
+          <a:p>
+            <a:pPr algn="ctr"/>
+            <a:r>
+              <a:rPr lang="es-CO" dirty="0"/>
+              <a:t>CONNECTION WITH MONGODB</a:t>
+            </a:r>
+          </a:p>
+        </p:txBody>
+      </p:sp>
+      <p:sp>
+        <p:nvSpPr>
+          <p:cNvPr id="6" name="Marcador de contenido 5">
+            <a:extLst>
+              <a:ext uri="{FF2B5EF4-FFF2-40B4-BE49-F238E27FC236}">
+                <a16:creationId xmlns:a16="http://schemas.microsoft.com/office/drawing/2014/main" id="{FDF7FB10-7DCB-4AF4-BE8E-30A3756CF0C1}"/>
+              </a:ext>
+            </a:extLst>
+          </p:cNvPr>
+          <p:cNvSpPr>
+            <a:spLocks noGrp="1"/>
+          </p:cNvSpPr>
+          <p:nvPr>
+            <p:ph idx="1"/>
+          </p:nvPr>
+        </p:nvSpPr>
+        <p:spPr/>
+        <p:txBody>
+          <a:bodyPr>
             <a:normAutofit/>
           </a:bodyPr>
           <a:lstStyle/>
           <a:p>
-            <a:pPr algn="ctr"/>
-            <a:r>
-              <a:rPr lang="es-CO" sz="8000" dirty="0" err="1"/>
-              <a:t>Crud</a:t>
-            </a:r>
-            <a:endParaRPr lang="es-CO" sz="8000" dirty="0"/>
+            <a:r>
+              <a:rPr lang="es-CO" sz="1800" dirty="0" err="1"/>
+              <a:t>Download</a:t>
+            </a:r>
+            <a:r>
+              <a:rPr lang="es-CO" sz="1800" dirty="0"/>
+              <a:t> </a:t>
+            </a:r>
+            <a:r>
+              <a:rPr lang="es-CO" sz="1800" dirty="0" err="1"/>
+              <a:t>mongodb</a:t>
+            </a:r>
+            <a:r>
+              <a:rPr lang="es-CO" sz="1800" dirty="0"/>
+              <a:t> </a:t>
+            </a:r>
+            <a:r>
+              <a:rPr lang="es-CO" sz="1800" dirty="0" err="1"/>
+              <a:t>community</a:t>
+            </a:r>
+            <a:r>
+              <a:rPr lang="es-CO" sz="1800" dirty="0"/>
+              <a:t> server</a:t>
+            </a:r>
+          </a:p>
+          <a:p>
+            <a:r>
+              <a:rPr lang="es-CO" sz="1800" dirty="0"/>
+              <a:t>C:\Program Files\MongoDB\Server\4.2\</a:t>
+            </a:r>
+            <a:r>
+              <a:rPr lang="es-CO" sz="1800" dirty="0" err="1"/>
+              <a:t>bin</a:t>
+            </a:r>
+            <a:endParaRPr lang="es-CO" sz="1800" dirty="0"/>
+          </a:p>
+          <a:p>
+            <a:r>
+              <a:rPr lang="es-CO" sz="1800" dirty="0" err="1"/>
+              <a:t>console</a:t>
+            </a:r>
+            <a:r>
+              <a:rPr lang="es-CO" sz="1800" dirty="0"/>
+              <a:t> </a:t>
+            </a:r>
+            <a:r>
+              <a:rPr lang="es-CO" sz="1800" dirty="0" err="1"/>
+              <a:t>commands</a:t>
+            </a:r>
+            <a:r>
+              <a:rPr lang="es-CO" sz="1800" dirty="0"/>
+              <a:t>:</a:t>
+            </a:r>
+          </a:p>
+          <a:p>
+            <a:pPr lvl="1"/>
+            <a:r>
+              <a:rPr lang="es-CO" sz="1800" dirty="0" err="1"/>
+              <a:t>mongod</a:t>
+            </a:r>
+            <a:endParaRPr lang="es-CO" sz="1800" dirty="0"/>
+          </a:p>
+          <a:p>
+            <a:pPr lvl="2"/>
+            <a:r>
+              <a:rPr lang="es-CO" dirty="0"/>
+              <a:t>Inicia a correr una instancia de </a:t>
+            </a:r>
+            <a:r>
+              <a:rPr lang="es-CO" dirty="0" err="1"/>
+              <a:t>mongodb</a:t>
+            </a:r>
+            <a:r>
+              <a:rPr lang="es-CO" dirty="0"/>
+              <a:t> en su computador, en el puerto 27017</a:t>
+            </a:r>
+          </a:p>
+          <a:p>
+            <a:pPr lvl="1"/>
+            <a:r>
+              <a:rPr lang="es-CO" sz="1800" dirty="0"/>
+              <a:t>Mongo</a:t>
+            </a:r>
+          </a:p>
+          <a:p>
+            <a:pPr lvl="2"/>
+            <a:r>
+              <a:rPr lang="es-CO" dirty="0"/>
+              <a:t>Se conecta como un cliente a la base de datos</a:t>
+            </a:r>
           </a:p>
         </p:txBody>
       </p:sp>
     </p:spTree>
     <p:extLst>
       <p:ext uri="{BB962C8B-B14F-4D97-AF65-F5344CB8AC3E}">
-        <p14:creationId xmlns:p14="http://schemas.microsoft.com/office/powerpoint/2010/main" val="4176728598"/>
+        <p14:creationId xmlns:p14="http://schemas.microsoft.com/office/powerpoint/2010/main" val="3042599770"/>
+      </p:ext>
+    </p:extLst>
+  </p:cSld>
+  <p:clrMapOvr>
+    <a:masterClrMapping/>
+  </p:clrMapOvr>
+</p:sld>
+</file>
+
+<file path=ppt/slides/slide18.xml><?xml version="1.0" encoding="utf-8"?>
+<p:sld xmlns:a="http://schemas.openxmlformats.org/drawingml/2006/main" xmlns:r="http://schemas.openxmlformats.org/officeDocument/2006/relationships" xmlns:p="http://schemas.openxmlformats.org/presentationml/2006/main">
+  <p:cSld>
+    <p:spTree>
+      <p:nvGrpSpPr>
+        <p:cNvPr id="1" name=""/>
+        <p:cNvGrpSpPr/>
+        <p:nvPr/>
+      </p:nvGrpSpPr>
+      <p:grpSpPr>
+        <a:xfrm>
+          <a:off x="0" y="0"/>
+          <a:ext cx="0" cy="0"/>
+          <a:chOff x="0" y="0"/>
+          <a:chExt cx="0" cy="0"/>
+        </a:xfrm>
+      </p:grpSpPr>
+      <p:pic>
+        <p:nvPicPr>
+          <p:cNvPr id="4" name="Imagen 3">
+            <a:extLst>
+              <a:ext uri="{FF2B5EF4-FFF2-40B4-BE49-F238E27FC236}">
+                <a16:creationId xmlns:a16="http://schemas.microsoft.com/office/drawing/2014/main" id="{1B614EB1-B8B7-4CF2-9CB9-09261138E46F}"/>
+              </a:ext>
+            </a:extLst>
+          </p:cNvPr>
+          <p:cNvPicPr>
+            <a:picLocks noChangeAspect="1"/>
+          </p:cNvPicPr>
+          <p:nvPr/>
+        </p:nvPicPr>
+        <p:blipFill rotWithShape="1">
+          <a:blip r:embed="rId2"/>
+          <a:srcRect l="41165" t="-1" r="-1" b="50176"/>
+          <a:stretch/>
+        </p:blipFill>
+        <p:spPr>
+          <a:xfrm>
+            <a:off x="770021" y="678704"/>
+            <a:ext cx="10831003" cy="5159387"/>
+          </a:xfrm>
+          <a:prstGeom prst="rect">
+            <a:avLst/>
+          </a:prstGeom>
+        </p:spPr>
+      </p:pic>
+    </p:spTree>
+    <p:extLst>
+      <p:ext uri="{BB962C8B-B14F-4D97-AF65-F5344CB8AC3E}">
+        <p14:creationId xmlns:p14="http://schemas.microsoft.com/office/powerpoint/2010/main" val="3644351867"/>
+      </p:ext>
+    </p:extLst>
+  </p:cSld>
+  <p:clrMapOvr>
+    <a:masterClrMapping/>
+  </p:clrMapOvr>
+</p:sld>
+</file>
+
+<file path=ppt/slides/slide19.xml><?xml version="1.0" encoding="utf-8"?>
+<p:sld xmlns:a="http://schemas.openxmlformats.org/drawingml/2006/main" xmlns:r="http://schemas.openxmlformats.org/officeDocument/2006/relationships" xmlns:p="http://schemas.openxmlformats.org/presentationml/2006/main">
+  <p:cSld>
+    <p:spTree>
+      <p:nvGrpSpPr>
+        <p:cNvPr id="1" name=""/>
+        <p:cNvGrpSpPr/>
+        <p:nvPr/>
+      </p:nvGrpSpPr>
+      <p:grpSpPr>
+        <a:xfrm>
+          <a:off x="0" y="0"/>
+          <a:ext cx="0" cy="0"/>
+          <a:chOff x="0" y="0"/>
+          <a:chExt cx="0" cy="0"/>
+        </a:xfrm>
+      </p:grpSpPr>
+      <p:pic>
+        <p:nvPicPr>
+          <p:cNvPr id="12" name="Imagen 11">
+            <a:extLst>
+              <a:ext uri="{FF2B5EF4-FFF2-40B4-BE49-F238E27FC236}">
+                <a16:creationId xmlns:a16="http://schemas.microsoft.com/office/drawing/2014/main" id="{0C5EFE4A-6220-4011-B1D2-270DA4AE8691}"/>
+              </a:ext>
+            </a:extLst>
+          </p:cNvPr>
+          <p:cNvPicPr>
+            <a:picLocks noChangeAspect="1"/>
+          </p:cNvPicPr>
+          <p:nvPr/>
+        </p:nvPicPr>
+        <p:blipFill>
+          <a:blip r:embed="rId2"/>
+          <a:stretch>
+            <a:fillRect/>
+          </a:stretch>
+        </p:blipFill>
+        <p:spPr>
+          <a:xfrm>
+            <a:off x="1036566" y="583068"/>
+            <a:ext cx="10118867" cy="5691863"/>
+          </a:xfrm>
+          <a:prstGeom prst="rect">
+            <a:avLst/>
+          </a:prstGeom>
+        </p:spPr>
+      </p:pic>
+    </p:spTree>
+    <p:extLst>
+      <p:ext uri="{BB962C8B-B14F-4D97-AF65-F5344CB8AC3E}">
+        <p14:creationId xmlns:p14="http://schemas.microsoft.com/office/powerpoint/2010/main" val="993000496"/>
       </p:ext>
     </p:extLst>
   </p:cSld>
@@ -7784,6 +8047,1707 @@
     <p:extLst>
       <p:ext uri="{BB962C8B-B14F-4D97-AF65-F5344CB8AC3E}">
         <p14:creationId xmlns:p14="http://schemas.microsoft.com/office/powerpoint/2010/main" val="1245539804"/>
+      </p:ext>
+    </p:extLst>
+  </p:cSld>
+  <p:clrMapOvr>
+    <a:masterClrMapping/>
+  </p:clrMapOvr>
+</p:sld>
+</file>
+
+<file path=ppt/slides/slide20.xml><?xml version="1.0" encoding="utf-8"?>
+<p:sld xmlns:a="http://schemas.openxmlformats.org/drawingml/2006/main" xmlns:r="http://schemas.openxmlformats.org/officeDocument/2006/relationships" xmlns:p="http://schemas.openxmlformats.org/presentationml/2006/main">
+  <p:cSld>
+    <p:spTree>
+      <p:nvGrpSpPr>
+        <p:cNvPr id="1" name=""/>
+        <p:cNvGrpSpPr/>
+        <p:nvPr/>
+      </p:nvGrpSpPr>
+      <p:grpSpPr>
+        <a:xfrm>
+          <a:off x="0" y="0"/>
+          <a:ext cx="0" cy="0"/>
+          <a:chOff x="0" y="0"/>
+          <a:chExt cx="0" cy="0"/>
+        </a:xfrm>
+      </p:grpSpPr>
+      <p:sp>
+        <p:nvSpPr>
+          <p:cNvPr id="5" name="AutoShape 2" descr="Resultado de imagen para mongo compass">
+            <a:extLst>
+              <a:ext uri="{FF2B5EF4-FFF2-40B4-BE49-F238E27FC236}">
+                <a16:creationId xmlns:a16="http://schemas.microsoft.com/office/drawing/2014/main" id="{A04008A5-0518-413D-8CB2-18162DA7B8E2}"/>
+              </a:ext>
+            </a:extLst>
+          </p:cNvPr>
+          <p:cNvSpPr>
+            <a:spLocks noChangeAspect="1" noChangeArrowheads="1"/>
+          </p:cNvSpPr>
+          <p:nvPr/>
+        </p:nvSpPr>
+        <p:spPr bwMode="auto">
+          <a:xfrm>
+            <a:off x="5943600" y="3276600"/>
+            <a:ext cx="304800" cy="304800"/>
+          </a:xfrm>
+          <a:prstGeom prst="rect">
+            <a:avLst/>
+          </a:prstGeom>
+          <a:noFill/>
+          <a:extLst>
+            <a:ext uri="{909E8E84-426E-40DD-AFC4-6F175D3DCCD1}">
+              <a14:hiddenFill xmlns:a14="http://schemas.microsoft.com/office/drawing/2010/main">
+                <a:solidFill>
+                  <a:srgbClr val="FFFFFF"/>
+                </a:solidFill>
+              </a14:hiddenFill>
+            </a:ext>
+          </a:extLst>
+        </p:spPr>
+        <p:txBody>
+          <a:bodyPr vert="horz" wrap="square" lIns="91440" tIns="45720" rIns="91440" bIns="45720" numCol="1" anchor="t" anchorCtr="0" compatLnSpc="1">
+            <a:prstTxWarp prst="textNoShape">
+              <a:avLst/>
+            </a:prstTxWarp>
+          </a:bodyPr>
+          <a:lstStyle/>
+          <a:p>
+            <a:endParaRPr lang="es-CO"/>
+          </a:p>
+        </p:txBody>
+      </p:sp>
+      <p:pic>
+        <p:nvPicPr>
+          <p:cNvPr id="2052" name="Picture 4" descr="Resultado de imagen para mongo compass">
+            <a:extLst>
+              <a:ext uri="{FF2B5EF4-FFF2-40B4-BE49-F238E27FC236}">
+                <a16:creationId xmlns:a16="http://schemas.microsoft.com/office/drawing/2014/main" id="{FD577F6B-36B8-4983-B3BD-109212972941}"/>
+              </a:ext>
+            </a:extLst>
+          </p:cNvPr>
+          <p:cNvPicPr>
+            <a:picLocks noChangeAspect="1" noChangeArrowheads="1"/>
+          </p:cNvPicPr>
+          <p:nvPr/>
+        </p:nvPicPr>
+        <p:blipFill>
+          <a:blip r:embed="rId2">
+            <a:extLst>
+              <a:ext uri="{28A0092B-C50C-407E-A947-70E740481C1C}">
+                <a14:useLocalDpi xmlns:a14="http://schemas.microsoft.com/office/drawing/2010/main" val="0"/>
+              </a:ext>
+            </a:extLst>
+          </a:blip>
+          <a:srcRect/>
+          <a:stretch>
+            <a:fillRect/>
+          </a:stretch>
+        </p:blipFill>
+        <p:spPr bwMode="auto">
+          <a:xfrm>
+            <a:off x="1542073" y="576605"/>
+            <a:ext cx="9107854" cy="5704789"/>
+          </a:xfrm>
+          <a:prstGeom prst="rect">
+            <a:avLst/>
+          </a:prstGeom>
+          <a:noFill/>
+          <a:extLst>
+            <a:ext uri="{909E8E84-426E-40DD-AFC4-6F175D3DCCD1}">
+              <a14:hiddenFill xmlns:a14="http://schemas.microsoft.com/office/drawing/2010/main">
+                <a:solidFill>
+                  <a:srgbClr val="FFFFFF"/>
+                </a:solidFill>
+              </a14:hiddenFill>
+            </a:ext>
+          </a:extLst>
+        </p:spPr>
+      </p:pic>
+    </p:spTree>
+    <p:extLst>
+      <p:ext uri="{BB962C8B-B14F-4D97-AF65-F5344CB8AC3E}">
+        <p14:creationId xmlns:p14="http://schemas.microsoft.com/office/powerpoint/2010/main" val="3388529673"/>
+      </p:ext>
+    </p:extLst>
+  </p:cSld>
+  <p:clrMapOvr>
+    <a:masterClrMapping/>
+  </p:clrMapOvr>
+</p:sld>
+</file>
+
+<file path=ppt/slides/slide21.xml><?xml version="1.0" encoding="utf-8"?>
+<p:sld xmlns:a="http://schemas.openxmlformats.org/drawingml/2006/main" xmlns:r="http://schemas.openxmlformats.org/officeDocument/2006/relationships" xmlns:p="http://schemas.openxmlformats.org/presentationml/2006/main">
+  <p:cSld>
+    <p:spTree>
+      <p:nvGrpSpPr>
+        <p:cNvPr id="1" name=""/>
+        <p:cNvGrpSpPr/>
+        <p:nvPr/>
+      </p:nvGrpSpPr>
+      <p:grpSpPr>
+        <a:xfrm>
+          <a:off x="0" y="0"/>
+          <a:ext cx="0" cy="0"/>
+          <a:chOff x="0" y="0"/>
+          <a:chExt cx="0" cy="0"/>
+        </a:xfrm>
+      </p:grpSpPr>
+      <p:sp>
+        <p:nvSpPr>
+          <p:cNvPr id="2" name="Título 1">
+            <a:extLst>
+              <a:ext uri="{FF2B5EF4-FFF2-40B4-BE49-F238E27FC236}">
+                <a16:creationId xmlns:a16="http://schemas.microsoft.com/office/drawing/2014/main" id="{69115CF5-C71D-4EF2-9A29-758589C54152}"/>
+              </a:ext>
+            </a:extLst>
+          </p:cNvPr>
+          <p:cNvSpPr>
+            <a:spLocks noGrp="1"/>
+          </p:cNvSpPr>
+          <p:nvPr>
+            <p:ph type="title"/>
+          </p:nvPr>
+        </p:nvSpPr>
+        <p:spPr>
+          <a:xfrm>
+            <a:off x="3732003" y="502313"/>
+            <a:ext cx="4727991" cy="768889"/>
+          </a:xfrm>
+          <a:ln>
+            <a:solidFill>
+              <a:schemeClr val="accent1">
+                <a:lumMod val="60000"/>
+                <a:lumOff val="40000"/>
+              </a:schemeClr>
+            </a:solidFill>
+          </a:ln>
+        </p:spPr>
+        <p:txBody>
+          <a:bodyPr>
+            <a:normAutofit/>
+          </a:bodyPr>
+          <a:lstStyle/>
+          <a:p>
+            <a:pPr algn="ctr"/>
+            <a:r>
+              <a:rPr lang="es-CO" sz="3600" dirty="0" err="1"/>
+              <a:t>Databases</a:t>
+            </a:r>
+            <a:endParaRPr lang="es-CO" sz="3600" dirty="0"/>
+          </a:p>
+        </p:txBody>
+      </p:sp>
+      <p:sp>
+        <p:nvSpPr>
+          <p:cNvPr id="3" name="Marcador de contenido 2">
+            <a:extLst>
+              <a:ext uri="{FF2B5EF4-FFF2-40B4-BE49-F238E27FC236}">
+                <a16:creationId xmlns:a16="http://schemas.microsoft.com/office/drawing/2014/main" id="{4AD42C8C-8B68-4A4D-AF1D-EF32C4EBBB10}"/>
+              </a:ext>
+            </a:extLst>
+          </p:cNvPr>
+          <p:cNvSpPr>
+            <a:spLocks noGrp="1"/>
+          </p:cNvSpPr>
+          <p:nvPr>
+            <p:ph idx="1"/>
+          </p:nvPr>
+        </p:nvSpPr>
+        <p:spPr>
+          <a:xfrm>
+            <a:off x="944477" y="1774590"/>
+            <a:ext cx="10303042" cy="4289326"/>
+          </a:xfrm>
+        </p:spPr>
+        <p:txBody>
+          <a:bodyPr>
+            <a:noAutofit/>
+          </a:bodyPr>
+          <a:lstStyle/>
+          <a:p>
+            <a:r>
+              <a:rPr lang="es-CO" sz="2000" dirty="0"/>
+              <a:t>Show </a:t>
+            </a:r>
+            <a:r>
+              <a:rPr lang="es-CO" sz="2000" dirty="0" err="1"/>
+              <a:t>dbs</a:t>
+            </a:r>
+            <a:r>
+              <a:rPr lang="es-CO" sz="2000" dirty="0"/>
+              <a:t>;</a:t>
+            </a:r>
+          </a:p>
+          <a:p>
+            <a:endParaRPr lang="es-CO" sz="2000" dirty="0"/>
+          </a:p>
+          <a:p>
+            <a:endParaRPr lang="es-CO" sz="2000" dirty="0"/>
+          </a:p>
+          <a:p>
+            <a:pPr marL="0" indent="0">
+              <a:buNone/>
+            </a:pPr>
+            <a:endParaRPr lang="es-CO" sz="2000" dirty="0"/>
+          </a:p>
+          <a:p>
+            <a:r>
+              <a:rPr lang="es-CO" sz="2000" dirty="0"/>
+              <a:t>Use “Nombre de la base de datos”</a:t>
+            </a:r>
+          </a:p>
+          <a:p>
+            <a:endParaRPr lang="es-CO" sz="2000" dirty="0"/>
+          </a:p>
+        </p:txBody>
+      </p:sp>
+      <p:pic>
+        <p:nvPicPr>
+          <p:cNvPr id="4" name="Imagen 3">
+            <a:extLst>
+              <a:ext uri="{FF2B5EF4-FFF2-40B4-BE49-F238E27FC236}">
+                <a16:creationId xmlns:a16="http://schemas.microsoft.com/office/drawing/2014/main" id="{13EFEEFF-704C-4873-A637-838E7E8811F7}"/>
+              </a:ext>
+            </a:extLst>
+          </p:cNvPr>
+          <p:cNvPicPr>
+            <a:picLocks noChangeAspect="1"/>
+          </p:cNvPicPr>
+          <p:nvPr/>
+        </p:nvPicPr>
+        <p:blipFill rotWithShape="1">
+          <a:blip r:embed="rId2"/>
+          <a:srcRect r="2349" b="22255"/>
+          <a:stretch/>
+        </p:blipFill>
+        <p:spPr>
+          <a:xfrm>
+            <a:off x="1212181" y="2251911"/>
+            <a:ext cx="7627019" cy="1007104"/>
+          </a:xfrm>
+          <a:prstGeom prst="rect">
+            <a:avLst/>
+          </a:prstGeom>
+        </p:spPr>
+      </p:pic>
+      <p:pic>
+        <p:nvPicPr>
+          <p:cNvPr id="5" name="Imagen 4">
+            <a:extLst>
+              <a:ext uri="{FF2B5EF4-FFF2-40B4-BE49-F238E27FC236}">
+                <a16:creationId xmlns:a16="http://schemas.microsoft.com/office/drawing/2014/main" id="{3B05CC32-1AFB-4AB3-ABFB-F4471321E273}"/>
+              </a:ext>
+            </a:extLst>
+          </p:cNvPr>
+          <p:cNvPicPr>
+            <a:picLocks noChangeAspect="1"/>
+          </p:cNvPicPr>
+          <p:nvPr/>
+        </p:nvPicPr>
+        <p:blipFill>
+          <a:blip r:embed="rId3"/>
+          <a:stretch>
+            <a:fillRect/>
+          </a:stretch>
+        </p:blipFill>
+        <p:spPr>
+          <a:xfrm>
+            <a:off x="1212181" y="4064880"/>
+            <a:ext cx="11085897" cy="1295400"/>
+          </a:xfrm>
+          <a:prstGeom prst="rect">
+            <a:avLst/>
+          </a:prstGeom>
+        </p:spPr>
+      </p:pic>
+    </p:spTree>
+    <p:extLst>
+      <p:ext uri="{BB962C8B-B14F-4D97-AF65-F5344CB8AC3E}">
+        <p14:creationId xmlns:p14="http://schemas.microsoft.com/office/powerpoint/2010/main" val="1786167977"/>
+      </p:ext>
+    </p:extLst>
+  </p:cSld>
+  <p:clrMapOvr>
+    <a:masterClrMapping/>
+  </p:clrMapOvr>
+</p:sld>
+</file>
+
+<file path=ppt/slides/slide22.xml><?xml version="1.0" encoding="utf-8"?>
+<p:sld xmlns:a="http://schemas.openxmlformats.org/drawingml/2006/main" xmlns:r="http://schemas.openxmlformats.org/officeDocument/2006/relationships" xmlns:p="http://schemas.openxmlformats.org/presentationml/2006/main">
+  <p:cSld>
+    <p:spTree>
+      <p:nvGrpSpPr>
+        <p:cNvPr id="1" name=""/>
+        <p:cNvGrpSpPr/>
+        <p:nvPr/>
+      </p:nvGrpSpPr>
+      <p:grpSpPr>
+        <a:xfrm>
+          <a:off x="0" y="0"/>
+          <a:ext cx="0" cy="0"/>
+          <a:chOff x="0" y="0"/>
+          <a:chExt cx="0" cy="0"/>
+        </a:xfrm>
+      </p:grpSpPr>
+      <p:sp>
+        <p:nvSpPr>
+          <p:cNvPr id="2" name="Título 1">
+            <a:extLst>
+              <a:ext uri="{FF2B5EF4-FFF2-40B4-BE49-F238E27FC236}">
+                <a16:creationId xmlns:a16="http://schemas.microsoft.com/office/drawing/2014/main" id="{69115CF5-C71D-4EF2-9A29-758589C54152}"/>
+              </a:ext>
+            </a:extLst>
+          </p:cNvPr>
+          <p:cNvSpPr>
+            <a:spLocks noGrp="1"/>
+          </p:cNvSpPr>
+          <p:nvPr>
+            <p:ph type="title"/>
+          </p:nvPr>
+        </p:nvSpPr>
+        <p:spPr>
+          <a:xfrm>
+            <a:off x="3732003" y="502313"/>
+            <a:ext cx="4727991" cy="768889"/>
+          </a:xfrm>
+          <a:ln>
+            <a:solidFill>
+              <a:schemeClr val="accent3">
+                <a:lumMod val="40000"/>
+                <a:lumOff val="60000"/>
+              </a:schemeClr>
+            </a:solidFill>
+          </a:ln>
+        </p:spPr>
+        <p:txBody>
+          <a:bodyPr>
+            <a:normAutofit/>
+          </a:bodyPr>
+          <a:lstStyle/>
+          <a:p>
+            <a:pPr algn="ctr"/>
+            <a:r>
+              <a:rPr lang="es-CO" sz="3600" dirty="0" err="1"/>
+              <a:t>Databases</a:t>
+            </a:r>
+            <a:endParaRPr lang="es-CO" sz="3600" dirty="0"/>
+          </a:p>
+        </p:txBody>
+      </p:sp>
+      <p:sp>
+        <p:nvSpPr>
+          <p:cNvPr id="3" name="Marcador de contenido 2">
+            <a:extLst>
+              <a:ext uri="{FF2B5EF4-FFF2-40B4-BE49-F238E27FC236}">
+                <a16:creationId xmlns:a16="http://schemas.microsoft.com/office/drawing/2014/main" id="{4AD42C8C-8B68-4A4D-AF1D-EF32C4EBBB10}"/>
+              </a:ext>
+            </a:extLst>
+          </p:cNvPr>
+          <p:cNvSpPr>
+            <a:spLocks noGrp="1"/>
+          </p:cNvSpPr>
+          <p:nvPr>
+            <p:ph idx="1"/>
+          </p:nvPr>
+        </p:nvSpPr>
+        <p:spPr>
+          <a:xfrm>
+            <a:off x="944477" y="1774590"/>
+            <a:ext cx="10303042" cy="4289326"/>
+          </a:xfrm>
+        </p:spPr>
+        <p:txBody>
+          <a:bodyPr>
+            <a:noAutofit/>
+          </a:bodyPr>
+          <a:lstStyle/>
+          <a:p>
+            <a:r>
+              <a:rPr lang="es-CO" sz="4800" dirty="0" err="1"/>
+              <a:t>db.help</a:t>
+            </a:r>
+            <a:r>
+              <a:rPr lang="es-CO" sz="4800" dirty="0"/>
+              <a:t>()</a:t>
+            </a:r>
+          </a:p>
+          <a:p>
+            <a:endParaRPr lang="es-CO" sz="4800" dirty="0"/>
+          </a:p>
+          <a:p>
+            <a:r>
+              <a:rPr lang="es-CO" sz="4800" dirty="0" err="1"/>
+              <a:t>db.dropDatabase</a:t>
+            </a:r>
+            <a:r>
+              <a:rPr lang="es-CO" sz="4800" dirty="0"/>
+              <a:t>()</a:t>
+            </a:r>
+          </a:p>
+          <a:p>
+            <a:endParaRPr lang="es-CO" sz="4800" dirty="0"/>
+          </a:p>
+        </p:txBody>
+      </p:sp>
+    </p:spTree>
+    <p:extLst>
+      <p:ext uri="{BB962C8B-B14F-4D97-AF65-F5344CB8AC3E}">
+        <p14:creationId xmlns:p14="http://schemas.microsoft.com/office/powerpoint/2010/main" val="1707754605"/>
+      </p:ext>
+    </p:extLst>
+  </p:cSld>
+  <p:clrMapOvr>
+    <a:masterClrMapping/>
+  </p:clrMapOvr>
+</p:sld>
+</file>
+
+<file path=ppt/slides/slide23.xml><?xml version="1.0" encoding="utf-8"?>
+<p:sld xmlns:a="http://schemas.openxmlformats.org/drawingml/2006/main" xmlns:r="http://schemas.openxmlformats.org/officeDocument/2006/relationships" xmlns:p="http://schemas.openxmlformats.org/presentationml/2006/main">
+  <p:cSld>
+    <p:spTree>
+      <p:nvGrpSpPr>
+        <p:cNvPr id="1" name=""/>
+        <p:cNvGrpSpPr/>
+        <p:nvPr/>
+      </p:nvGrpSpPr>
+      <p:grpSpPr>
+        <a:xfrm>
+          <a:off x="0" y="0"/>
+          <a:ext cx="0" cy="0"/>
+          <a:chOff x="0" y="0"/>
+          <a:chExt cx="0" cy="0"/>
+        </a:xfrm>
+      </p:grpSpPr>
+      <p:sp>
+        <p:nvSpPr>
+          <p:cNvPr id="2" name="Título 1">
+            <a:extLst>
+              <a:ext uri="{FF2B5EF4-FFF2-40B4-BE49-F238E27FC236}">
+                <a16:creationId xmlns:a16="http://schemas.microsoft.com/office/drawing/2014/main" id="{69115CF5-C71D-4EF2-9A29-758589C54152}"/>
+              </a:ext>
+            </a:extLst>
+          </p:cNvPr>
+          <p:cNvSpPr>
+            <a:spLocks noGrp="1"/>
+          </p:cNvSpPr>
+          <p:nvPr>
+            <p:ph type="title"/>
+          </p:nvPr>
+        </p:nvSpPr>
+        <p:spPr>
+          <a:xfrm>
+            <a:off x="3732003" y="502313"/>
+            <a:ext cx="4727991" cy="768889"/>
+          </a:xfrm>
+          <a:ln>
+            <a:solidFill>
+              <a:schemeClr val="accent1">
+                <a:lumMod val="60000"/>
+                <a:lumOff val="40000"/>
+              </a:schemeClr>
+            </a:solidFill>
+          </a:ln>
+        </p:spPr>
+        <p:txBody>
+          <a:bodyPr>
+            <a:normAutofit/>
+          </a:bodyPr>
+          <a:lstStyle/>
+          <a:p>
+            <a:pPr algn="ctr"/>
+            <a:r>
+              <a:rPr lang="es-CO" sz="3600" dirty="0" err="1"/>
+              <a:t>collections</a:t>
+            </a:r>
+            <a:endParaRPr lang="es-CO" sz="3600" dirty="0"/>
+          </a:p>
+        </p:txBody>
+      </p:sp>
+      <p:sp>
+        <p:nvSpPr>
+          <p:cNvPr id="3" name="Marcador de contenido 2">
+            <a:extLst>
+              <a:ext uri="{FF2B5EF4-FFF2-40B4-BE49-F238E27FC236}">
+                <a16:creationId xmlns:a16="http://schemas.microsoft.com/office/drawing/2014/main" id="{4AD42C8C-8B68-4A4D-AF1D-EF32C4EBBB10}"/>
+              </a:ext>
+            </a:extLst>
+          </p:cNvPr>
+          <p:cNvSpPr>
+            <a:spLocks noGrp="1"/>
+          </p:cNvSpPr>
+          <p:nvPr>
+            <p:ph idx="1"/>
+          </p:nvPr>
+        </p:nvSpPr>
+        <p:spPr>
+          <a:xfrm>
+            <a:off x="944477" y="1774590"/>
+            <a:ext cx="10303042" cy="4289326"/>
+          </a:xfrm>
+        </p:spPr>
+        <p:txBody>
+          <a:bodyPr>
+            <a:noAutofit/>
+          </a:bodyPr>
+          <a:lstStyle/>
+          <a:p>
+            <a:r>
+              <a:rPr lang="es-CO" sz="2000" dirty="0" err="1"/>
+              <a:t>Db.createCollection</a:t>
+            </a:r>
+            <a:r>
+              <a:rPr lang="es-CO" sz="2000" dirty="0"/>
+              <a:t>(“&lt;Nombre de la </a:t>
+            </a:r>
+            <a:r>
+              <a:rPr lang="es-CO" sz="2000" dirty="0" err="1"/>
+              <a:t>colleccion</a:t>
+            </a:r>
+            <a:r>
+              <a:rPr lang="es-CO" sz="2000" dirty="0"/>
+              <a:t>&gt;”)</a:t>
+            </a:r>
+          </a:p>
+          <a:p>
+            <a:endParaRPr lang="es-CO" sz="2000" dirty="0"/>
+          </a:p>
+          <a:p>
+            <a:endParaRPr lang="es-CO" sz="2000" dirty="0"/>
+          </a:p>
+          <a:p>
+            <a:pPr marL="0" indent="0">
+              <a:buNone/>
+            </a:pPr>
+            <a:endParaRPr lang="es-CO" sz="2000" dirty="0"/>
+          </a:p>
+          <a:p>
+            <a:endParaRPr lang="es-CO" sz="2000" dirty="0"/>
+          </a:p>
+          <a:p>
+            <a:r>
+              <a:rPr lang="es-CO" sz="2000" dirty="0" err="1"/>
+              <a:t>Db</a:t>
+            </a:r>
+            <a:r>
+              <a:rPr lang="es-CO" sz="2000" dirty="0"/>
+              <a:t>.&lt;Nombre de la </a:t>
+            </a:r>
+            <a:r>
+              <a:rPr lang="es-CO" sz="2000" dirty="0" err="1"/>
+              <a:t>colleccion</a:t>
+            </a:r>
+            <a:r>
+              <a:rPr lang="es-CO" sz="2000" dirty="0"/>
+              <a:t>&gt;.</a:t>
+            </a:r>
+            <a:r>
+              <a:rPr lang="es-CO" sz="2000" dirty="0" err="1"/>
+              <a:t>drop</a:t>
+            </a:r>
+            <a:r>
+              <a:rPr lang="es-CO" sz="2000" dirty="0"/>
+              <a:t>()</a:t>
+            </a:r>
+          </a:p>
+          <a:p>
+            <a:endParaRPr lang="es-CO" sz="2000" dirty="0"/>
+          </a:p>
+        </p:txBody>
+      </p:sp>
+      <p:pic>
+        <p:nvPicPr>
+          <p:cNvPr id="6" name="Imagen 5">
+            <a:extLst>
+              <a:ext uri="{FF2B5EF4-FFF2-40B4-BE49-F238E27FC236}">
+                <a16:creationId xmlns:a16="http://schemas.microsoft.com/office/drawing/2014/main" id="{0F21C0A3-6C5D-4D33-98F5-63456F6A7583}"/>
+              </a:ext>
+            </a:extLst>
+          </p:cNvPr>
+          <p:cNvPicPr>
+            <a:picLocks noChangeAspect="1"/>
+          </p:cNvPicPr>
+          <p:nvPr/>
+        </p:nvPicPr>
+        <p:blipFill>
+          <a:blip r:embed="rId2"/>
+          <a:stretch>
+            <a:fillRect/>
+          </a:stretch>
+        </p:blipFill>
+        <p:spPr>
+          <a:xfrm>
+            <a:off x="1212181" y="2142874"/>
+            <a:ext cx="9338030" cy="1578894"/>
+          </a:xfrm>
+          <a:prstGeom prst="rect">
+            <a:avLst/>
+          </a:prstGeom>
+        </p:spPr>
+      </p:pic>
+      <p:pic>
+        <p:nvPicPr>
+          <p:cNvPr id="7" name="Imagen 6">
+            <a:extLst>
+              <a:ext uri="{FF2B5EF4-FFF2-40B4-BE49-F238E27FC236}">
+                <a16:creationId xmlns:a16="http://schemas.microsoft.com/office/drawing/2014/main" id="{B6979083-0EC5-4004-A067-365D629ABC9F}"/>
+              </a:ext>
+            </a:extLst>
+          </p:cNvPr>
+          <p:cNvPicPr>
+            <a:picLocks noChangeAspect="1"/>
+          </p:cNvPicPr>
+          <p:nvPr/>
+        </p:nvPicPr>
+        <p:blipFill>
+          <a:blip r:embed="rId3"/>
+          <a:stretch>
+            <a:fillRect/>
+          </a:stretch>
+        </p:blipFill>
+        <p:spPr>
+          <a:xfrm>
+            <a:off x="1246821" y="4514097"/>
+            <a:ext cx="10000698" cy="1196892"/>
+          </a:xfrm>
+          <a:prstGeom prst="rect">
+            <a:avLst/>
+          </a:prstGeom>
+        </p:spPr>
+      </p:pic>
+    </p:spTree>
+    <p:extLst>
+      <p:ext uri="{BB962C8B-B14F-4D97-AF65-F5344CB8AC3E}">
+        <p14:creationId xmlns:p14="http://schemas.microsoft.com/office/powerpoint/2010/main" val="2888463263"/>
+      </p:ext>
+    </p:extLst>
+  </p:cSld>
+  <p:clrMapOvr>
+    <a:masterClrMapping/>
+  </p:clrMapOvr>
+</p:sld>
+</file>
+
+<file path=ppt/slides/slide24.xml><?xml version="1.0" encoding="utf-8"?>
+<p:sld xmlns:a="http://schemas.openxmlformats.org/drawingml/2006/main" xmlns:r="http://schemas.openxmlformats.org/officeDocument/2006/relationships" xmlns:p="http://schemas.openxmlformats.org/presentationml/2006/main">
+  <p:cSld>
+    <p:spTree>
+      <p:nvGrpSpPr>
+        <p:cNvPr id="1" name=""/>
+        <p:cNvGrpSpPr/>
+        <p:nvPr/>
+      </p:nvGrpSpPr>
+      <p:grpSpPr>
+        <a:xfrm>
+          <a:off x="0" y="0"/>
+          <a:ext cx="0" cy="0"/>
+          <a:chOff x="0" y="0"/>
+          <a:chExt cx="0" cy="0"/>
+        </a:xfrm>
+      </p:grpSpPr>
+      <p:sp>
+        <p:nvSpPr>
+          <p:cNvPr id="3" name="Marcador de contenido 2">
+            <a:extLst>
+              <a:ext uri="{FF2B5EF4-FFF2-40B4-BE49-F238E27FC236}">
+                <a16:creationId xmlns:a16="http://schemas.microsoft.com/office/drawing/2014/main" id="{4AD42C8C-8B68-4A4D-AF1D-EF32C4EBBB10}"/>
+              </a:ext>
+            </a:extLst>
+          </p:cNvPr>
+          <p:cNvSpPr>
+            <a:spLocks noGrp="1"/>
+          </p:cNvSpPr>
+          <p:nvPr>
+            <p:ph idx="1"/>
+          </p:nvPr>
+        </p:nvSpPr>
+        <p:spPr>
+          <a:xfrm>
+            <a:off x="1258302" y="2641173"/>
+            <a:ext cx="9675395" cy="1575653"/>
+          </a:xfrm>
+          <a:ln w="57150">
+            <a:solidFill>
+              <a:schemeClr val="accent3">
+                <a:lumMod val="40000"/>
+                <a:lumOff val="60000"/>
+              </a:schemeClr>
+            </a:solidFill>
+          </a:ln>
+        </p:spPr>
+        <p:txBody>
+          <a:bodyPr anchor="ctr">
+            <a:noAutofit/>
+          </a:bodyPr>
+          <a:lstStyle/>
+          <a:p>
+            <a:pPr algn="ctr"/>
+            <a:r>
+              <a:rPr lang="es-CO" sz="6000" dirty="0" err="1"/>
+              <a:t>db</a:t>
+            </a:r>
+            <a:r>
+              <a:rPr lang="es-CO" sz="6000" dirty="0"/>
+              <a:t>.&lt;</a:t>
+            </a:r>
+            <a:r>
+              <a:rPr lang="es-CO" sz="6000" dirty="0" err="1"/>
+              <a:t>colleccion</a:t>
+            </a:r>
+            <a:r>
+              <a:rPr lang="es-CO" sz="6000" dirty="0"/>
+              <a:t>&gt;.</a:t>
+            </a:r>
+            <a:r>
+              <a:rPr lang="es-CO" sz="6000" dirty="0" err="1"/>
+              <a:t>help</a:t>
+            </a:r>
+            <a:r>
+              <a:rPr lang="es-CO" sz="6000" dirty="0"/>
+              <a:t>()</a:t>
+            </a:r>
+          </a:p>
+        </p:txBody>
+      </p:sp>
+    </p:spTree>
+    <p:extLst>
+      <p:ext uri="{BB962C8B-B14F-4D97-AF65-F5344CB8AC3E}">
+        <p14:creationId xmlns:p14="http://schemas.microsoft.com/office/powerpoint/2010/main" val="495710875"/>
+      </p:ext>
+    </p:extLst>
+  </p:cSld>
+  <p:clrMapOvr>
+    <a:masterClrMapping/>
+  </p:clrMapOvr>
+</p:sld>
+</file>
+
+<file path=ppt/slides/slide25.xml><?xml version="1.0" encoding="utf-8"?>
+<p:sld xmlns:a="http://schemas.openxmlformats.org/drawingml/2006/main" xmlns:r="http://schemas.openxmlformats.org/officeDocument/2006/relationships" xmlns:p="http://schemas.openxmlformats.org/presentationml/2006/main">
+  <p:cSld>
+    <p:spTree>
+      <p:nvGrpSpPr>
+        <p:cNvPr id="1" name=""/>
+        <p:cNvGrpSpPr/>
+        <p:nvPr/>
+      </p:nvGrpSpPr>
+      <p:grpSpPr>
+        <a:xfrm>
+          <a:off x="0" y="0"/>
+          <a:ext cx="0" cy="0"/>
+          <a:chOff x="0" y="0"/>
+          <a:chExt cx="0" cy="0"/>
+        </a:xfrm>
+      </p:grpSpPr>
+      <p:sp>
+        <p:nvSpPr>
+          <p:cNvPr id="2" name="Título 1">
+            <a:extLst>
+              <a:ext uri="{FF2B5EF4-FFF2-40B4-BE49-F238E27FC236}">
+                <a16:creationId xmlns:a16="http://schemas.microsoft.com/office/drawing/2014/main" id="{69115CF5-C71D-4EF2-9A29-758589C54152}"/>
+              </a:ext>
+            </a:extLst>
+          </p:cNvPr>
+          <p:cNvSpPr>
+            <a:spLocks noGrp="1"/>
+          </p:cNvSpPr>
+          <p:nvPr>
+            <p:ph type="title"/>
+          </p:nvPr>
+        </p:nvSpPr>
+        <p:spPr>
+          <a:xfrm>
+            <a:off x="3732003" y="502313"/>
+            <a:ext cx="4727991" cy="768889"/>
+          </a:xfrm>
+          <a:ln>
+            <a:solidFill>
+              <a:schemeClr val="accent1">
+                <a:lumMod val="60000"/>
+                <a:lumOff val="40000"/>
+              </a:schemeClr>
+            </a:solidFill>
+          </a:ln>
+        </p:spPr>
+        <p:txBody>
+          <a:bodyPr>
+            <a:normAutofit/>
+          </a:bodyPr>
+          <a:lstStyle/>
+          <a:p>
+            <a:pPr algn="ctr"/>
+            <a:r>
+              <a:rPr lang="es-CO" sz="3600" dirty="0" err="1"/>
+              <a:t>Documents</a:t>
+            </a:r>
+            <a:endParaRPr lang="es-CO" sz="3600" dirty="0"/>
+          </a:p>
+        </p:txBody>
+      </p:sp>
+      <p:sp>
+        <p:nvSpPr>
+          <p:cNvPr id="8" name="Marcador de contenido 2">
+            <a:extLst>
+              <a:ext uri="{FF2B5EF4-FFF2-40B4-BE49-F238E27FC236}">
+                <a16:creationId xmlns:a16="http://schemas.microsoft.com/office/drawing/2014/main" id="{554AFE4F-64B8-45BE-9B8F-07593545FD85}"/>
+              </a:ext>
+            </a:extLst>
+          </p:cNvPr>
+          <p:cNvSpPr>
+            <a:spLocks noGrp="1"/>
+          </p:cNvSpPr>
+          <p:nvPr>
+            <p:ph idx="1"/>
+          </p:nvPr>
+        </p:nvSpPr>
+        <p:spPr>
+          <a:xfrm>
+            <a:off x="944477" y="2903266"/>
+            <a:ext cx="10303042" cy="2527340"/>
+          </a:xfrm>
+        </p:spPr>
+        <p:txBody>
+          <a:bodyPr>
+            <a:noAutofit/>
+          </a:bodyPr>
+          <a:lstStyle/>
+          <a:p>
+            <a:r>
+              <a:rPr lang="en-US" sz="2000" dirty="0"/>
+              <a:t>data types in a json</a:t>
+            </a:r>
+            <a:r>
+              <a:rPr lang="es-CO" sz="2000" dirty="0"/>
+              <a:t>:</a:t>
+            </a:r>
+          </a:p>
+          <a:p>
+            <a:pPr lvl="1"/>
+            <a:r>
+              <a:rPr lang="es-CO" dirty="0" err="1"/>
+              <a:t>String</a:t>
+            </a:r>
+            <a:endParaRPr lang="es-CO" dirty="0"/>
+          </a:p>
+          <a:p>
+            <a:pPr lvl="1"/>
+            <a:r>
+              <a:rPr lang="es-CO" dirty="0" err="1"/>
+              <a:t>Number</a:t>
+            </a:r>
+            <a:endParaRPr lang="es-CO" dirty="0"/>
+          </a:p>
+          <a:p>
+            <a:pPr lvl="1"/>
+            <a:r>
+              <a:rPr lang="es-CO" dirty="0"/>
+              <a:t>Date</a:t>
+            </a:r>
+          </a:p>
+          <a:p>
+            <a:pPr lvl="1"/>
+            <a:r>
+              <a:rPr lang="es-CO" dirty="0" err="1"/>
+              <a:t>Document</a:t>
+            </a:r>
+            <a:r>
+              <a:rPr lang="es-CO" dirty="0"/>
+              <a:t> </a:t>
+            </a:r>
+            <a:r>
+              <a:rPr lang="es-CO" dirty="0" err="1"/>
+              <a:t>arrangement</a:t>
+            </a:r>
+            <a:r>
+              <a:rPr lang="es-CO" dirty="0"/>
+              <a:t>(</a:t>
+            </a:r>
+            <a:r>
+              <a:rPr lang="es-CO" dirty="0" err="1"/>
+              <a:t>Json</a:t>
+            </a:r>
+            <a:r>
+              <a:rPr lang="es-CO" dirty="0"/>
+              <a:t> </a:t>
+            </a:r>
+            <a:r>
+              <a:rPr lang="es-CO" dirty="0" err="1"/>
+              <a:t>Type</a:t>
+            </a:r>
+            <a:r>
+              <a:rPr lang="es-CO" dirty="0"/>
+              <a:t>)</a:t>
+            </a:r>
+          </a:p>
+          <a:p>
+            <a:pPr marL="457200" lvl="1" indent="0">
+              <a:buNone/>
+            </a:pPr>
+            <a:endParaRPr lang="es-CO" dirty="0"/>
+          </a:p>
+          <a:p>
+            <a:pPr lvl="1"/>
+            <a:endParaRPr lang="es-CO" dirty="0"/>
+          </a:p>
+          <a:p>
+            <a:pPr lvl="1"/>
+            <a:endParaRPr lang="es-CO" dirty="0"/>
+          </a:p>
+        </p:txBody>
+      </p:sp>
+      <p:pic>
+        <p:nvPicPr>
+          <p:cNvPr id="1026" name="Picture 2" descr="Resultado de imagen para json simbolo">
+            <a:extLst>
+              <a:ext uri="{FF2B5EF4-FFF2-40B4-BE49-F238E27FC236}">
+                <a16:creationId xmlns:a16="http://schemas.microsoft.com/office/drawing/2014/main" id="{E3D8C511-1F49-41EC-9766-8950F51C1476}"/>
+              </a:ext>
+            </a:extLst>
+          </p:cNvPr>
+          <p:cNvPicPr>
+            <a:picLocks noChangeAspect="1" noChangeArrowheads="1"/>
+          </p:cNvPicPr>
+          <p:nvPr/>
+        </p:nvPicPr>
+        <p:blipFill>
+          <a:blip r:embed="rId2">
+            <a:extLst>
+              <a:ext uri="{28A0092B-C50C-407E-A947-70E740481C1C}">
+                <a14:useLocalDpi xmlns:a14="http://schemas.microsoft.com/office/drawing/2010/main" val="0"/>
+              </a:ext>
+            </a:extLst>
+          </a:blip>
+          <a:srcRect/>
+          <a:stretch>
+            <a:fillRect/>
+          </a:stretch>
+        </p:blipFill>
+        <p:spPr bwMode="auto">
+          <a:xfrm>
+            <a:off x="6536194" y="2071937"/>
+            <a:ext cx="3847600" cy="3847600"/>
+          </a:xfrm>
+          <a:prstGeom prst="rect">
+            <a:avLst/>
+          </a:prstGeom>
+          <a:noFill/>
+          <a:extLst>
+            <a:ext uri="{909E8E84-426E-40DD-AFC4-6F175D3DCCD1}">
+              <a14:hiddenFill xmlns:a14="http://schemas.microsoft.com/office/drawing/2010/main">
+                <a:solidFill>
+                  <a:srgbClr val="FFFFFF"/>
+                </a:solidFill>
+              </a14:hiddenFill>
+            </a:ext>
+          </a:extLst>
+        </p:spPr>
+      </p:pic>
+    </p:spTree>
+    <p:extLst>
+      <p:ext uri="{BB962C8B-B14F-4D97-AF65-F5344CB8AC3E}">
+        <p14:creationId xmlns:p14="http://schemas.microsoft.com/office/powerpoint/2010/main" val="4254707726"/>
+      </p:ext>
+    </p:extLst>
+  </p:cSld>
+  <p:clrMapOvr>
+    <a:masterClrMapping/>
+  </p:clrMapOvr>
+</p:sld>
+</file>
+
+<file path=ppt/slides/slide26.xml><?xml version="1.0" encoding="utf-8"?>
+<p:sld xmlns:a="http://schemas.openxmlformats.org/drawingml/2006/main" xmlns:r="http://schemas.openxmlformats.org/officeDocument/2006/relationships" xmlns:p="http://schemas.openxmlformats.org/presentationml/2006/main">
+  <p:cSld>
+    <p:spTree>
+      <p:nvGrpSpPr>
+        <p:cNvPr id="1" name=""/>
+        <p:cNvGrpSpPr/>
+        <p:nvPr/>
+      </p:nvGrpSpPr>
+      <p:grpSpPr>
+        <a:xfrm>
+          <a:off x="0" y="0"/>
+          <a:ext cx="0" cy="0"/>
+          <a:chOff x="0" y="0"/>
+          <a:chExt cx="0" cy="0"/>
+        </a:xfrm>
+      </p:grpSpPr>
+      <p:sp>
+        <p:nvSpPr>
+          <p:cNvPr id="2" name="Título 1">
+            <a:extLst>
+              <a:ext uri="{FF2B5EF4-FFF2-40B4-BE49-F238E27FC236}">
+                <a16:creationId xmlns:a16="http://schemas.microsoft.com/office/drawing/2014/main" id="{69115CF5-C71D-4EF2-9A29-758589C54152}"/>
+              </a:ext>
+            </a:extLst>
+          </p:cNvPr>
+          <p:cNvSpPr>
+            <a:spLocks noGrp="1"/>
+          </p:cNvSpPr>
+          <p:nvPr>
+            <p:ph type="title"/>
+          </p:nvPr>
+        </p:nvSpPr>
+        <p:spPr>
+          <a:xfrm>
+            <a:off x="3732003" y="502313"/>
+            <a:ext cx="4727991" cy="768889"/>
+          </a:xfrm>
+          <a:ln>
+            <a:solidFill>
+              <a:schemeClr val="accent1">
+                <a:lumMod val="60000"/>
+                <a:lumOff val="40000"/>
+              </a:schemeClr>
+            </a:solidFill>
+          </a:ln>
+        </p:spPr>
+        <p:txBody>
+          <a:bodyPr>
+            <a:normAutofit/>
+          </a:bodyPr>
+          <a:lstStyle/>
+          <a:p>
+            <a:pPr algn="ctr"/>
+            <a:r>
+              <a:rPr lang="es-CO" sz="3600" dirty="0" err="1"/>
+              <a:t>Documents</a:t>
+            </a:r>
+            <a:endParaRPr lang="es-CO" sz="3600" dirty="0"/>
+          </a:p>
+        </p:txBody>
+      </p:sp>
+      <p:sp>
+        <p:nvSpPr>
+          <p:cNvPr id="8" name="Marcador de contenido 2">
+            <a:extLst>
+              <a:ext uri="{FF2B5EF4-FFF2-40B4-BE49-F238E27FC236}">
+                <a16:creationId xmlns:a16="http://schemas.microsoft.com/office/drawing/2014/main" id="{554AFE4F-64B8-45BE-9B8F-07593545FD85}"/>
+              </a:ext>
+            </a:extLst>
+          </p:cNvPr>
+          <p:cNvSpPr>
+            <a:spLocks noGrp="1"/>
+          </p:cNvSpPr>
+          <p:nvPr>
+            <p:ph idx="1"/>
+          </p:nvPr>
+        </p:nvSpPr>
+        <p:spPr>
+          <a:xfrm>
+            <a:off x="944477" y="2165330"/>
+            <a:ext cx="10303042" cy="2527340"/>
+          </a:xfrm>
+        </p:spPr>
+        <p:txBody>
+          <a:bodyPr>
+            <a:noAutofit/>
+          </a:bodyPr>
+          <a:lstStyle/>
+          <a:p>
+            <a:r>
+              <a:rPr lang="es-CO" sz="2000" dirty="0"/>
+              <a:t>CRUD: </a:t>
+            </a:r>
+            <a:r>
+              <a:rPr lang="en-US" sz="2000" dirty="0"/>
+              <a:t>Basic operations in a database.</a:t>
+            </a:r>
+            <a:endParaRPr lang="es-CO" sz="2000" dirty="0"/>
+          </a:p>
+          <a:p>
+            <a:pPr lvl="1"/>
+            <a:r>
+              <a:rPr lang="es-CO" sz="1800" dirty="0" err="1"/>
+              <a:t>Create</a:t>
+            </a:r>
+            <a:endParaRPr lang="es-CO" sz="1800" dirty="0"/>
+          </a:p>
+          <a:p>
+            <a:pPr lvl="1"/>
+            <a:r>
+              <a:rPr lang="es-CO" sz="1800" dirty="0" err="1"/>
+              <a:t>Read</a:t>
+            </a:r>
+            <a:endParaRPr lang="es-CO" sz="1800" dirty="0"/>
+          </a:p>
+          <a:p>
+            <a:pPr lvl="1"/>
+            <a:r>
+              <a:rPr lang="es-CO" sz="1800" dirty="0" err="1"/>
+              <a:t>Update</a:t>
+            </a:r>
+            <a:endParaRPr lang="es-CO" sz="1800" dirty="0"/>
+          </a:p>
+          <a:p>
+            <a:pPr lvl="1"/>
+            <a:r>
+              <a:rPr lang="es-CO" sz="1800" dirty="0" err="1"/>
+              <a:t>Delete</a:t>
+            </a:r>
+            <a:endParaRPr lang="es-CO" sz="1800" dirty="0"/>
+          </a:p>
+          <a:p>
+            <a:pPr lvl="1"/>
+            <a:endParaRPr lang="es-CO" sz="1800" dirty="0"/>
+          </a:p>
+        </p:txBody>
+      </p:sp>
+    </p:spTree>
+    <p:extLst>
+      <p:ext uri="{BB962C8B-B14F-4D97-AF65-F5344CB8AC3E}">
+        <p14:creationId xmlns:p14="http://schemas.microsoft.com/office/powerpoint/2010/main" val="4029156347"/>
+      </p:ext>
+    </p:extLst>
+  </p:cSld>
+  <p:clrMapOvr>
+    <a:masterClrMapping/>
+  </p:clrMapOvr>
+</p:sld>
+</file>
+
+<file path=ppt/slides/slide27.xml><?xml version="1.0" encoding="utf-8"?>
+<p:sld xmlns:a="http://schemas.openxmlformats.org/drawingml/2006/main" xmlns:r="http://schemas.openxmlformats.org/officeDocument/2006/relationships" xmlns:p="http://schemas.openxmlformats.org/presentationml/2006/main">
+  <p:cSld>
+    <p:spTree>
+      <p:nvGrpSpPr>
+        <p:cNvPr id="1" name=""/>
+        <p:cNvGrpSpPr/>
+        <p:nvPr/>
+      </p:nvGrpSpPr>
+      <p:grpSpPr>
+        <a:xfrm>
+          <a:off x="0" y="0"/>
+          <a:ext cx="0" cy="0"/>
+          <a:chOff x="0" y="0"/>
+          <a:chExt cx="0" cy="0"/>
+        </a:xfrm>
+      </p:grpSpPr>
+      <p:sp>
+        <p:nvSpPr>
+          <p:cNvPr id="3" name="Marcador de contenido 2">
+            <a:extLst>
+              <a:ext uri="{FF2B5EF4-FFF2-40B4-BE49-F238E27FC236}">
+                <a16:creationId xmlns:a16="http://schemas.microsoft.com/office/drawing/2014/main" id="{1F57DFE2-2A2C-4AE5-AA7D-686E9D4809AD}"/>
+              </a:ext>
+            </a:extLst>
+          </p:cNvPr>
+          <p:cNvSpPr>
+            <a:spLocks noGrp="1"/>
+          </p:cNvSpPr>
+          <p:nvPr>
+            <p:ph idx="1"/>
+          </p:nvPr>
+        </p:nvSpPr>
+        <p:spPr>
+          <a:xfrm>
+            <a:off x="1499346" y="2353235"/>
+            <a:ext cx="9193306" cy="3039036"/>
+          </a:xfrm>
+        </p:spPr>
+        <p:txBody>
+          <a:bodyPr/>
+          <a:lstStyle/>
+          <a:p>
+            <a:r>
+              <a:rPr lang="es-CO" dirty="0" err="1"/>
+              <a:t>Db</a:t>
+            </a:r>
+            <a:r>
+              <a:rPr lang="es-CO" dirty="0"/>
+              <a:t>.&lt;</a:t>
+            </a:r>
+            <a:r>
+              <a:rPr lang="es-CO" dirty="0" err="1"/>
+              <a:t>coleccion</a:t>
+            </a:r>
+            <a:r>
+              <a:rPr lang="es-CO" dirty="0"/>
+              <a:t>&gt;.</a:t>
+            </a:r>
+            <a:r>
+              <a:rPr lang="es-CO" dirty="0" err="1"/>
+              <a:t>insert</a:t>
+            </a:r>
+            <a:r>
+              <a:rPr lang="es-CO" dirty="0"/>
+              <a:t>(&lt;Documento </a:t>
+            </a:r>
+            <a:r>
+              <a:rPr lang="es-CO" dirty="0" err="1"/>
+              <a:t>json</a:t>
+            </a:r>
+            <a:r>
+              <a:rPr lang="es-CO" dirty="0"/>
+              <a:t>&gt;)</a:t>
+            </a:r>
+          </a:p>
+          <a:p>
+            <a:endParaRPr lang="es-CO" dirty="0"/>
+          </a:p>
+          <a:p>
+            <a:endParaRPr lang="es-CO" dirty="0"/>
+          </a:p>
+          <a:p>
+            <a:endParaRPr lang="es-CO" dirty="0"/>
+          </a:p>
+        </p:txBody>
+      </p:sp>
+      <p:sp>
+        <p:nvSpPr>
+          <p:cNvPr id="4" name="Título 1">
+            <a:extLst>
+              <a:ext uri="{FF2B5EF4-FFF2-40B4-BE49-F238E27FC236}">
+                <a16:creationId xmlns:a16="http://schemas.microsoft.com/office/drawing/2014/main" id="{D1C2444D-3AD9-426C-BE11-F836D85FEACB}"/>
+              </a:ext>
+            </a:extLst>
+          </p:cNvPr>
+          <p:cNvSpPr>
+            <a:spLocks noGrp="1"/>
+          </p:cNvSpPr>
+          <p:nvPr>
+            <p:ph type="title"/>
+          </p:nvPr>
+        </p:nvSpPr>
+        <p:spPr>
+          <a:xfrm>
+            <a:off x="4037702" y="817340"/>
+            <a:ext cx="4116595" cy="768889"/>
+          </a:xfrm>
+          <a:ln w="28575">
+            <a:solidFill>
+              <a:schemeClr val="accent5">
+                <a:lumMod val="60000"/>
+                <a:lumOff val="40000"/>
+              </a:schemeClr>
+            </a:solidFill>
+          </a:ln>
+        </p:spPr>
+        <p:txBody>
+          <a:bodyPr>
+            <a:normAutofit/>
+          </a:bodyPr>
+          <a:lstStyle/>
+          <a:p>
+            <a:pPr algn="ctr"/>
+            <a:r>
+              <a:rPr lang="es-CO" sz="3600" dirty="0" err="1"/>
+              <a:t>Create</a:t>
+            </a:r>
+            <a:endParaRPr lang="es-CO" sz="3600" dirty="0"/>
+          </a:p>
+        </p:txBody>
+      </p:sp>
+      <p:pic>
+        <p:nvPicPr>
+          <p:cNvPr id="5" name="Imagen 4">
+            <a:extLst>
+              <a:ext uri="{FF2B5EF4-FFF2-40B4-BE49-F238E27FC236}">
+                <a16:creationId xmlns:a16="http://schemas.microsoft.com/office/drawing/2014/main" id="{98230711-A6C7-41B5-99AE-84C5D97C5793}"/>
+              </a:ext>
+            </a:extLst>
+          </p:cNvPr>
+          <p:cNvPicPr>
+            <a:picLocks noChangeAspect="1"/>
+          </p:cNvPicPr>
+          <p:nvPr/>
+        </p:nvPicPr>
+        <p:blipFill>
+          <a:blip r:embed="rId2"/>
+          <a:stretch>
+            <a:fillRect/>
+          </a:stretch>
+        </p:blipFill>
+        <p:spPr>
+          <a:xfrm>
+            <a:off x="528636" y="3312190"/>
+            <a:ext cx="11134725" cy="476250"/>
+          </a:xfrm>
+          <a:prstGeom prst="rect">
+            <a:avLst/>
+          </a:prstGeom>
+          <a:ln w="12700">
+            <a:solidFill>
+              <a:schemeClr val="accent4">
+                <a:lumMod val="20000"/>
+                <a:lumOff val="80000"/>
+              </a:schemeClr>
+            </a:solidFill>
+          </a:ln>
+        </p:spPr>
+      </p:pic>
+      <p:pic>
+        <p:nvPicPr>
+          <p:cNvPr id="2" name="Imagen 1">
+            <a:extLst>
+              <a:ext uri="{FF2B5EF4-FFF2-40B4-BE49-F238E27FC236}">
+                <a16:creationId xmlns:a16="http://schemas.microsoft.com/office/drawing/2014/main" id="{1D737969-C3A8-40AB-9875-0113EAEA4F32}"/>
+              </a:ext>
+            </a:extLst>
+          </p:cNvPr>
+          <p:cNvPicPr>
+            <a:picLocks noChangeAspect="1"/>
+          </p:cNvPicPr>
+          <p:nvPr/>
+        </p:nvPicPr>
+        <p:blipFill>
+          <a:blip r:embed="rId3"/>
+          <a:stretch>
+            <a:fillRect/>
+          </a:stretch>
+        </p:blipFill>
+        <p:spPr>
+          <a:xfrm>
+            <a:off x="441157" y="4798352"/>
+            <a:ext cx="11309684" cy="805147"/>
+          </a:xfrm>
+          <a:prstGeom prst="rect">
+            <a:avLst/>
+          </a:prstGeom>
+          <a:ln>
+            <a:solidFill>
+              <a:schemeClr val="accent4">
+                <a:lumMod val="20000"/>
+                <a:lumOff val="80000"/>
+              </a:schemeClr>
+            </a:solidFill>
+          </a:ln>
+        </p:spPr>
+      </p:pic>
+    </p:spTree>
+    <p:extLst>
+      <p:ext uri="{BB962C8B-B14F-4D97-AF65-F5344CB8AC3E}">
+        <p14:creationId xmlns:p14="http://schemas.microsoft.com/office/powerpoint/2010/main" val="3871148104"/>
+      </p:ext>
+    </p:extLst>
+  </p:cSld>
+  <p:clrMapOvr>
+    <a:masterClrMapping/>
+  </p:clrMapOvr>
+</p:sld>
+</file>
+
+<file path=ppt/slides/slide28.xml><?xml version="1.0" encoding="utf-8"?>
+<p:sld xmlns:a="http://schemas.openxmlformats.org/drawingml/2006/main" xmlns:r="http://schemas.openxmlformats.org/officeDocument/2006/relationships" xmlns:p="http://schemas.openxmlformats.org/presentationml/2006/main">
+  <p:cSld>
+    <p:spTree>
+      <p:nvGrpSpPr>
+        <p:cNvPr id="1" name=""/>
+        <p:cNvGrpSpPr/>
+        <p:nvPr/>
+      </p:nvGrpSpPr>
+      <p:grpSpPr>
+        <a:xfrm>
+          <a:off x="0" y="0"/>
+          <a:ext cx="0" cy="0"/>
+          <a:chOff x="0" y="0"/>
+          <a:chExt cx="0" cy="0"/>
+        </a:xfrm>
+      </p:grpSpPr>
+      <p:sp>
+        <p:nvSpPr>
+          <p:cNvPr id="3" name="Marcador de contenido 2">
+            <a:extLst>
+              <a:ext uri="{FF2B5EF4-FFF2-40B4-BE49-F238E27FC236}">
+                <a16:creationId xmlns:a16="http://schemas.microsoft.com/office/drawing/2014/main" id="{1F57DFE2-2A2C-4AE5-AA7D-686E9D4809AD}"/>
+              </a:ext>
+            </a:extLst>
+          </p:cNvPr>
+          <p:cNvSpPr>
+            <a:spLocks noGrp="1"/>
+          </p:cNvSpPr>
+          <p:nvPr>
+            <p:ph idx="1"/>
+          </p:nvPr>
+        </p:nvSpPr>
+        <p:spPr>
+          <a:xfrm>
+            <a:off x="1499346" y="2353235"/>
+            <a:ext cx="9193306" cy="768889"/>
+          </a:xfrm>
+          <a:ln>
+            <a:solidFill>
+              <a:schemeClr val="accent2">
+                <a:lumMod val="40000"/>
+                <a:lumOff val="60000"/>
+              </a:schemeClr>
+            </a:solidFill>
+          </a:ln>
+        </p:spPr>
+        <p:txBody>
+          <a:bodyPr anchor="ctr"/>
+          <a:lstStyle/>
+          <a:p>
+            <a:r>
+              <a:rPr lang="es-CO" dirty="0" err="1"/>
+              <a:t>Db</a:t>
+            </a:r>
+            <a:r>
+              <a:rPr lang="es-CO" dirty="0"/>
+              <a:t>.&lt;</a:t>
+            </a:r>
+            <a:r>
+              <a:rPr lang="es-CO" dirty="0" err="1"/>
+              <a:t>coleccion</a:t>
+            </a:r>
+            <a:r>
+              <a:rPr lang="es-CO" dirty="0"/>
+              <a:t>&gt;.</a:t>
+            </a:r>
+            <a:r>
+              <a:rPr lang="es-CO" dirty="0" err="1"/>
+              <a:t>find</a:t>
+            </a:r>
+            <a:r>
+              <a:rPr lang="es-CO" dirty="0"/>
+              <a:t> (&lt;</a:t>
+            </a:r>
+            <a:r>
+              <a:rPr lang="es-CO" dirty="0" err="1"/>
+              <a:t>Query</a:t>
+            </a:r>
+            <a:r>
+              <a:rPr lang="es-CO" dirty="0"/>
+              <a:t>&gt;,&lt;</a:t>
+            </a:r>
+            <a:r>
+              <a:rPr lang="es-CO" dirty="0" err="1"/>
+              <a:t>projection</a:t>
+            </a:r>
+            <a:r>
+              <a:rPr lang="es-CO" dirty="0"/>
+              <a:t>&gt;,&lt;&gt;)</a:t>
+            </a:r>
+          </a:p>
+        </p:txBody>
+      </p:sp>
+      <p:sp>
+        <p:nvSpPr>
+          <p:cNvPr id="4" name="Título 1">
+            <a:extLst>
+              <a:ext uri="{FF2B5EF4-FFF2-40B4-BE49-F238E27FC236}">
+                <a16:creationId xmlns:a16="http://schemas.microsoft.com/office/drawing/2014/main" id="{D1C2444D-3AD9-426C-BE11-F836D85FEACB}"/>
+              </a:ext>
+            </a:extLst>
+          </p:cNvPr>
+          <p:cNvSpPr>
+            <a:spLocks noGrp="1"/>
+          </p:cNvSpPr>
+          <p:nvPr>
+            <p:ph type="title"/>
+          </p:nvPr>
+        </p:nvSpPr>
+        <p:spPr>
+          <a:xfrm>
+            <a:off x="4037702" y="817340"/>
+            <a:ext cx="4116595" cy="768889"/>
+          </a:xfrm>
+          <a:ln w="28575">
+            <a:solidFill>
+              <a:schemeClr val="accent2">
+                <a:lumMod val="60000"/>
+                <a:lumOff val="40000"/>
+              </a:schemeClr>
+            </a:solidFill>
+          </a:ln>
+        </p:spPr>
+        <p:txBody>
+          <a:bodyPr>
+            <a:normAutofit/>
+          </a:bodyPr>
+          <a:lstStyle/>
+          <a:p>
+            <a:pPr algn="ctr"/>
+            <a:r>
+              <a:rPr lang="es-CO" sz="3600" dirty="0" err="1"/>
+              <a:t>Read</a:t>
+            </a:r>
+            <a:endParaRPr lang="es-CO" sz="3600" dirty="0"/>
+          </a:p>
+        </p:txBody>
+      </p:sp>
+      <p:pic>
+        <p:nvPicPr>
+          <p:cNvPr id="7" name="Imagen 6">
+            <a:extLst>
+              <a:ext uri="{FF2B5EF4-FFF2-40B4-BE49-F238E27FC236}">
+                <a16:creationId xmlns:a16="http://schemas.microsoft.com/office/drawing/2014/main" id="{4BE10DE2-C84B-40E8-AC86-F724D012F18E}"/>
+              </a:ext>
+            </a:extLst>
+          </p:cNvPr>
+          <p:cNvPicPr>
+            <a:picLocks noChangeAspect="1"/>
+          </p:cNvPicPr>
+          <p:nvPr/>
+        </p:nvPicPr>
+        <p:blipFill>
+          <a:blip r:embed="rId2"/>
+          <a:stretch>
+            <a:fillRect/>
+          </a:stretch>
+        </p:blipFill>
+        <p:spPr>
+          <a:xfrm>
+            <a:off x="1098883" y="3567153"/>
+            <a:ext cx="9994232" cy="2473507"/>
+          </a:xfrm>
+          <a:prstGeom prst="rect">
+            <a:avLst/>
+          </a:prstGeom>
+        </p:spPr>
+      </p:pic>
+    </p:spTree>
+    <p:extLst>
+      <p:ext uri="{BB962C8B-B14F-4D97-AF65-F5344CB8AC3E}">
+        <p14:creationId xmlns:p14="http://schemas.microsoft.com/office/powerpoint/2010/main" val="3184645034"/>
+      </p:ext>
+    </p:extLst>
+  </p:cSld>
+  <p:clrMapOvr>
+    <a:masterClrMapping/>
+  </p:clrMapOvr>
+</p:sld>
+</file>
+
+<file path=ppt/slides/slide29.xml><?xml version="1.0" encoding="utf-8"?>
+<p:sld xmlns:a="http://schemas.openxmlformats.org/drawingml/2006/main" xmlns:r="http://schemas.openxmlformats.org/officeDocument/2006/relationships" xmlns:p="http://schemas.openxmlformats.org/presentationml/2006/main">
+  <p:cSld>
+    <p:spTree>
+      <p:nvGrpSpPr>
+        <p:cNvPr id="1" name=""/>
+        <p:cNvGrpSpPr/>
+        <p:nvPr/>
+      </p:nvGrpSpPr>
+      <p:grpSpPr>
+        <a:xfrm>
+          <a:off x="0" y="0"/>
+          <a:ext cx="0" cy="0"/>
+          <a:chOff x="0" y="0"/>
+          <a:chExt cx="0" cy="0"/>
+        </a:xfrm>
+      </p:grpSpPr>
+      <p:sp>
+        <p:nvSpPr>
+          <p:cNvPr id="3" name="Marcador de contenido 2">
+            <a:extLst>
+              <a:ext uri="{FF2B5EF4-FFF2-40B4-BE49-F238E27FC236}">
+                <a16:creationId xmlns:a16="http://schemas.microsoft.com/office/drawing/2014/main" id="{1F57DFE2-2A2C-4AE5-AA7D-686E9D4809AD}"/>
+              </a:ext>
+            </a:extLst>
+          </p:cNvPr>
+          <p:cNvSpPr>
+            <a:spLocks noGrp="1"/>
+          </p:cNvSpPr>
+          <p:nvPr>
+            <p:ph idx="1"/>
+          </p:nvPr>
+        </p:nvSpPr>
+        <p:spPr>
+          <a:xfrm>
+            <a:off x="1499346" y="572562"/>
+            <a:ext cx="9193306" cy="768889"/>
+          </a:xfrm>
+          <a:ln>
+            <a:solidFill>
+              <a:schemeClr val="accent2">
+                <a:lumMod val="40000"/>
+                <a:lumOff val="60000"/>
+              </a:schemeClr>
+            </a:solidFill>
+          </a:ln>
+        </p:spPr>
+        <p:txBody>
+          <a:bodyPr anchor="ctr"/>
+          <a:lstStyle/>
+          <a:p>
+            <a:r>
+              <a:rPr lang="es-CO" dirty="0" err="1"/>
+              <a:t>Db</a:t>
+            </a:r>
+            <a:r>
+              <a:rPr lang="es-CO" dirty="0"/>
+              <a:t>.&lt;</a:t>
+            </a:r>
+            <a:r>
+              <a:rPr lang="es-CO" dirty="0" err="1"/>
+              <a:t>coleccion</a:t>
+            </a:r>
+            <a:r>
+              <a:rPr lang="es-CO" dirty="0"/>
+              <a:t>&gt;.</a:t>
+            </a:r>
+            <a:r>
+              <a:rPr lang="es-CO" dirty="0" err="1"/>
+              <a:t>find</a:t>
+            </a:r>
+            <a:r>
+              <a:rPr lang="es-CO" dirty="0"/>
+              <a:t> (&lt;</a:t>
+            </a:r>
+            <a:r>
+              <a:rPr lang="es-CO" dirty="0" err="1"/>
+              <a:t>Query</a:t>
+            </a:r>
+            <a:r>
+              <a:rPr lang="es-CO" dirty="0"/>
+              <a:t>&gt;,&lt;</a:t>
+            </a:r>
+            <a:r>
+              <a:rPr lang="es-CO" dirty="0" err="1"/>
+              <a:t>projection</a:t>
+            </a:r>
+            <a:r>
+              <a:rPr lang="es-CO" dirty="0"/>
+              <a:t>&gt;,&lt;&gt;).</a:t>
+            </a:r>
+            <a:r>
+              <a:rPr lang="es-CO" dirty="0" err="1"/>
+              <a:t>pretty</a:t>
+            </a:r>
+            <a:r>
+              <a:rPr lang="es-CO" dirty="0"/>
+              <a:t>()</a:t>
+            </a:r>
+          </a:p>
+        </p:txBody>
+      </p:sp>
+      <p:pic>
+        <p:nvPicPr>
+          <p:cNvPr id="2" name="Imagen 1">
+            <a:extLst>
+              <a:ext uri="{FF2B5EF4-FFF2-40B4-BE49-F238E27FC236}">
+                <a16:creationId xmlns:a16="http://schemas.microsoft.com/office/drawing/2014/main" id="{B2481B53-EE19-4B64-8138-B3D0C3D5F74F}"/>
+              </a:ext>
+            </a:extLst>
+          </p:cNvPr>
+          <p:cNvPicPr>
+            <a:picLocks noChangeAspect="1"/>
+          </p:cNvPicPr>
+          <p:nvPr/>
+        </p:nvPicPr>
+        <p:blipFill rotWithShape="1">
+          <a:blip r:embed="rId2"/>
+          <a:srcRect l="382" t="15907" r="66882" b="24210"/>
+          <a:stretch/>
+        </p:blipFill>
+        <p:spPr>
+          <a:xfrm>
+            <a:off x="3769895" y="1585102"/>
+            <a:ext cx="4707130" cy="4843520"/>
+          </a:xfrm>
+          <a:prstGeom prst="rect">
+            <a:avLst/>
+          </a:prstGeom>
+        </p:spPr>
+      </p:pic>
+    </p:spTree>
+    <p:extLst>
+      <p:ext uri="{BB962C8B-B14F-4D97-AF65-F5344CB8AC3E}">
+        <p14:creationId xmlns:p14="http://schemas.microsoft.com/office/powerpoint/2010/main" val="1616176001"/>
       </p:ext>
     </p:extLst>
   </p:cSld>
@@ -7908,6 +9872,1102 @@
     <p:extLst>
       <p:ext uri="{BB962C8B-B14F-4D97-AF65-F5344CB8AC3E}">
         <p14:creationId xmlns:p14="http://schemas.microsoft.com/office/powerpoint/2010/main" val="1448083555"/>
+      </p:ext>
+    </p:extLst>
+  </p:cSld>
+  <p:clrMapOvr>
+    <a:masterClrMapping/>
+  </p:clrMapOvr>
+</p:sld>
+</file>
+
+<file path=ppt/slides/slide30.xml><?xml version="1.0" encoding="utf-8"?>
+<p:sld xmlns:a="http://schemas.openxmlformats.org/drawingml/2006/main" xmlns:r="http://schemas.openxmlformats.org/officeDocument/2006/relationships" xmlns:p="http://schemas.openxmlformats.org/presentationml/2006/main">
+  <p:cSld>
+    <p:spTree>
+      <p:nvGrpSpPr>
+        <p:cNvPr id="1" name=""/>
+        <p:cNvGrpSpPr/>
+        <p:nvPr/>
+      </p:nvGrpSpPr>
+      <p:grpSpPr>
+        <a:xfrm>
+          <a:off x="0" y="0"/>
+          <a:ext cx="0" cy="0"/>
+          <a:chOff x="0" y="0"/>
+          <a:chExt cx="0" cy="0"/>
+        </a:xfrm>
+      </p:grpSpPr>
+      <p:sp>
+        <p:nvSpPr>
+          <p:cNvPr id="3" name="Marcador de contenido 2">
+            <a:extLst>
+              <a:ext uri="{FF2B5EF4-FFF2-40B4-BE49-F238E27FC236}">
+                <a16:creationId xmlns:a16="http://schemas.microsoft.com/office/drawing/2014/main" id="{1F57DFE2-2A2C-4AE5-AA7D-686E9D4809AD}"/>
+              </a:ext>
+            </a:extLst>
+          </p:cNvPr>
+          <p:cNvSpPr>
+            <a:spLocks noGrp="1"/>
+          </p:cNvSpPr>
+          <p:nvPr>
+            <p:ph idx="1"/>
+          </p:nvPr>
+        </p:nvSpPr>
+        <p:spPr>
+          <a:xfrm>
+            <a:off x="1499346" y="572562"/>
+            <a:ext cx="9193306" cy="768889"/>
+          </a:xfrm>
+          <a:ln>
+            <a:solidFill>
+              <a:schemeClr val="accent2">
+                <a:lumMod val="40000"/>
+                <a:lumOff val="60000"/>
+              </a:schemeClr>
+            </a:solidFill>
+          </a:ln>
+        </p:spPr>
+        <p:txBody>
+          <a:bodyPr anchor="ctr"/>
+          <a:lstStyle/>
+          <a:p>
+            <a:r>
+              <a:rPr lang="es-CO" dirty="0" err="1"/>
+              <a:t>Db</a:t>
+            </a:r>
+            <a:r>
+              <a:rPr lang="es-CO" dirty="0"/>
+              <a:t>.&lt;</a:t>
+            </a:r>
+            <a:r>
+              <a:rPr lang="es-CO" dirty="0" err="1"/>
+              <a:t>coleccion</a:t>
+            </a:r>
+            <a:r>
+              <a:rPr lang="es-CO" dirty="0"/>
+              <a:t>&gt;.</a:t>
+            </a:r>
+            <a:r>
+              <a:rPr lang="es-CO" dirty="0" err="1"/>
+              <a:t>find</a:t>
+            </a:r>
+            <a:r>
+              <a:rPr lang="es-CO" dirty="0"/>
+              <a:t> (&lt;</a:t>
+            </a:r>
+            <a:r>
+              <a:rPr lang="es-CO" dirty="0" err="1"/>
+              <a:t>Query</a:t>
+            </a:r>
+            <a:r>
+              <a:rPr lang="es-CO" dirty="0"/>
+              <a:t>&gt;,&lt;</a:t>
+            </a:r>
+            <a:r>
+              <a:rPr lang="es-CO" dirty="0" err="1"/>
+              <a:t>projection</a:t>
+            </a:r>
+            <a:r>
+              <a:rPr lang="es-CO" dirty="0"/>
+              <a:t>&gt;,&lt;&gt;).</a:t>
+            </a:r>
+            <a:r>
+              <a:rPr lang="es-CO" dirty="0" err="1"/>
+              <a:t>pretty</a:t>
+            </a:r>
+            <a:r>
+              <a:rPr lang="es-CO" dirty="0"/>
+              <a:t>()</a:t>
+            </a:r>
+          </a:p>
+        </p:txBody>
+      </p:sp>
+      <p:pic>
+        <p:nvPicPr>
+          <p:cNvPr id="4" name="Imagen 3">
+            <a:extLst>
+              <a:ext uri="{FF2B5EF4-FFF2-40B4-BE49-F238E27FC236}">
+                <a16:creationId xmlns:a16="http://schemas.microsoft.com/office/drawing/2014/main" id="{28ABD8CE-CBD6-4D5E-B6EE-D909CCF84946}"/>
+              </a:ext>
+            </a:extLst>
+          </p:cNvPr>
+          <p:cNvPicPr>
+            <a:picLocks noChangeAspect="1"/>
+          </p:cNvPicPr>
+          <p:nvPr/>
+        </p:nvPicPr>
+        <p:blipFill rotWithShape="1">
+          <a:blip r:embed="rId2"/>
+          <a:srcRect l="-1" t="70877" r="67369" b="5731"/>
+          <a:stretch/>
+        </p:blipFill>
+        <p:spPr>
+          <a:xfrm>
+            <a:off x="2813783" y="2374231"/>
+            <a:ext cx="6564433" cy="2646948"/>
+          </a:xfrm>
+          <a:prstGeom prst="rect">
+            <a:avLst/>
+          </a:prstGeom>
+        </p:spPr>
+      </p:pic>
+    </p:spTree>
+    <p:extLst>
+      <p:ext uri="{BB962C8B-B14F-4D97-AF65-F5344CB8AC3E}">
+        <p14:creationId xmlns:p14="http://schemas.microsoft.com/office/powerpoint/2010/main" val="3610240911"/>
+      </p:ext>
+    </p:extLst>
+  </p:cSld>
+  <p:clrMapOvr>
+    <a:masterClrMapping/>
+  </p:clrMapOvr>
+</p:sld>
+</file>
+
+<file path=ppt/slides/slide31.xml><?xml version="1.0" encoding="utf-8"?>
+<p:sld xmlns:a="http://schemas.openxmlformats.org/drawingml/2006/main" xmlns:r="http://schemas.openxmlformats.org/officeDocument/2006/relationships" xmlns:p="http://schemas.openxmlformats.org/presentationml/2006/main">
+  <p:cSld>
+    <p:spTree>
+      <p:nvGrpSpPr>
+        <p:cNvPr id="1" name=""/>
+        <p:cNvGrpSpPr/>
+        <p:nvPr/>
+      </p:nvGrpSpPr>
+      <p:grpSpPr>
+        <a:xfrm>
+          <a:off x="0" y="0"/>
+          <a:ext cx="0" cy="0"/>
+          <a:chOff x="0" y="0"/>
+          <a:chExt cx="0" cy="0"/>
+        </a:xfrm>
+      </p:grpSpPr>
+      <p:sp>
+        <p:nvSpPr>
+          <p:cNvPr id="3" name="Marcador de contenido 2">
+            <a:extLst>
+              <a:ext uri="{FF2B5EF4-FFF2-40B4-BE49-F238E27FC236}">
+                <a16:creationId xmlns:a16="http://schemas.microsoft.com/office/drawing/2014/main" id="{1F57DFE2-2A2C-4AE5-AA7D-686E9D4809AD}"/>
+              </a:ext>
+            </a:extLst>
+          </p:cNvPr>
+          <p:cNvSpPr>
+            <a:spLocks noGrp="1"/>
+          </p:cNvSpPr>
+          <p:nvPr>
+            <p:ph idx="1"/>
+          </p:nvPr>
+        </p:nvSpPr>
+        <p:spPr>
+          <a:xfrm>
+            <a:off x="1499346" y="572562"/>
+            <a:ext cx="9193306" cy="768889"/>
+          </a:xfrm>
+          <a:ln>
+            <a:solidFill>
+              <a:schemeClr val="accent2">
+                <a:lumMod val="40000"/>
+                <a:lumOff val="60000"/>
+              </a:schemeClr>
+            </a:solidFill>
+          </a:ln>
+        </p:spPr>
+        <p:txBody>
+          <a:bodyPr anchor="ctr"/>
+          <a:lstStyle/>
+          <a:p>
+            <a:r>
+              <a:rPr lang="es-CO" dirty="0" err="1"/>
+              <a:t>Db</a:t>
+            </a:r>
+            <a:r>
+              <a:rPr lang="es-CO" dirty="0"/>
+              <a:t>.&lt;</a:t>
+            </a:r>
+            <a:r>
+              <a:rPr lang="es-CO" dirty="0" err="1"/>
+              <a:t>coleccion</a:t>
+            </a:r>
+            <a:r>
+              <a:rPr lang="es-CO" dirty="0"/>
+              <a:t>&gt;.</a:t>
+            </a:r>
+            <a:r>
+              <a:rPr lang="es-CO" dirty="0" err="1"/>
+              <a:t>find</a:t>
+            </a:r>
+            <a:r>
+              <a:rPr lang="es-CO" dirty="0"/>
+              <a:t> (&lt;</a:t>
+            </a:r>
+            <a:r>
+              <a:rPr lang="es-CO" dirty="0" err="1"/>
+              <a:t>Query</a:t>
+            </a:r>
+            <a:r>
+              <a:rPr lang="es-CO" dirty="0"/>
+              <a:t>&gt;,&lt;</a:t>
+            </a:r>
+            <a:r>
+              <a:rPr lang="es-CO" dirty="0" err="1"/>
+              <a:t>projection</a:t>
+            </a:r>
+            <a:r>
+              <a:rPr lang="es-CO" dirty="0"/>
+              <a:t>&gt;,&lt;&gt;).</a:t>
+            </a:r>
+            <a:r>
+              <a:rPr lang="es-CO" dirty="0" err="1"/>
+              <a:t>pretty</a:t>
+            </a:r>
+            <a:r>
+              <a:rPr lang="es-CO" dirty="0"/>
+              <a:t>()</a:t>
+            </a:r>
+          </a:p>
+        </p:txBody>
+      </p:sp>
+      <p:pic>
+        <p:nvPicPr>
+          <p:cNvPr id="5" name="Imagen 4">
+            <a:extLst>
+              <a:ext uri="{FF2B5EF4-FFF2-40B4-BE49-F238E27FC236}">
+                <a16:creationId xmlns:a16="http://schemas.microsoft.com/office/drawing/2014/main" id="{EC44EB73-0E5D-4041-96E2-5BD56D0F5ED5}"/>
+              </a:ext>
+            </a:extLst>
+          </p:cNvPr>
+          <p:cNvPicPr>
+            <a:picLocks noChangeAspect="1"/>
+          </p:cNvPicPr>
+          <p:nvPr/>
+        </p:nvPicPr>
+        <p:blipFill rotWithShape="1">
+          <a:blip r:embed="rId2"/>
+          <a:srcRect t="70571" r="62237" b="6315"/>
+          <a:stretch/>
+        </p:blipFill>
+        <p:spPr>
+          <a:xfrm>
+            <a:off x="1499346" y="1843567"/>
+            <a:ext cx="9210162" cy="3170866"/>
+          </a:xfrm>
+          <a:prstGeom prst="rect">
+            <a:avLst/>
+          </a:prstGeom>
+        </p:spPr>
+      </p:pic>
+      <p:sp>
+        <p:nvSpPr>
+          <p:cNvPr id="6" name="CuadroTexto 5">
+            <a:extLst>
+              <a:ext uri="{FF2B5EF4-FFF2-40B4-BE49-F238E27FC236}">
+                <a16:creationId xmlns:a16="http://schemas.microsoft.com/office/drawing/2014/main" id="{8B625C23-F757-4626-B091-22ED9494436F}"/>
+              </a:ext>
+            </a:extLst>
+          </p:cNvPr>
+          <p:cNvSpPr txBox="1"/>
+          <p:nvPr/>
+        </p:nvSpPr>
+        <p:spPr>
+          <a:xfrm>
+            <a:off x="3504584" y="5676970"/>
+            <a:ext cx="5182829" cy="369332"/>
+          </a:xfrm>
+          <a:prstGeom prst="rect">
+            <a:avLst/>
+          </a:prstGeom>
+          <a:solidFill>
+            <a:schemeClr val="accent1"/>
+          </a:solidFill>
+        </p:spPr>
+        <p:txBody>
+          <a:bodyPr wrap="none" rtlCol="0">
+            <a:spAutoFit/>
+          </a:bodyPr>
+          <a:lstStyle/>
+          <a:p>
+            <a:r>
+              <a:rPr lang="es-CO" dirty="0"/>
+              <a:t>INCLUSION OR EXCLUSION, BUT NOT THE TWO</a:t>
+            </a:r>
+          </a:p>
+        </p:txBody>
+      </p:sp>
+    </p:spTree>
+    <p:extLst>
+      <p:ext uri="{BB962C8B-B14F-4D97-AF65-F5344CB8AC3E}">
+        <p14:creationId xmlns:p14="http://schemas.microsoft.com/office/powerpoint/2010/main" val="4099607514"/>
+      </p:ext>
+    </p:extLst>
+  </p:cSld>
+  <p:clrMapOvr>
+    <a:masterClrMapping/>
+  </p:clrMapOvr>
+</p:sld>
+</file>
+
+<file path=ppt/slides/slide32.xml><?xml version="1.0" encoding="utf-8"?>
+<p:sld xmlns:a="http://schemas.openxmlformats.org/drawingml/2006/main" xmlns:r="http://schemas.openxmlformats.org/officeDocument/2006/relationships" xmlns:p="http://schemas.openxmlformats.org/presentationml/2006/main">
+  <p:cSld>
+    <p:spTree>
+      <p:nvGrpSpPr>
+        <p:cNvPr id="1" name=""/>
+        <p:cNvGrpSpPr/>
+        <p:nvPr/>
+      </p:nvGrpSpPr>
+      <p:grpSpPr>
+        <a:xfrm>
+          <a:off x="0" y="0"/>
+          <a:ext cx="0" cy="0"/>
+          <a:chOff x="0" y="0"/>
+          <a:chExt cx="0" cy="0"/>
+        </a:xfrm>
+      </p:grpSpPr>
+      <p:sp>
+        <p:nvSpPr>
+          <p:cNvPr id="3" name="Marcador de contenido 2">
+            <a:extLst>
+              <a:ext uri="{FF2B5EF4-FFF2-40B4-BE49-F238E27FC236}">
+                <a16:creationId xmlns:a16="http://schemas.microsoft.com/office/drawing/2014/main" id="{1F57DFE2-2A2C-4AE5-AA7D-686E9D4809AD}"/>
+              </a:ext>
+            </a:extLst>
+          </p:cNvPr>
+          <p:cNvSpPr>
+            <a:spLocks noGrp="1"/>
+          </p:cNvSpPr>
+          <p:nvPr>
+            <p:ph idx="1"/>
+          </p:nvPr>
+        </p:nvSpPr>
+        <p:spPr>
+          <a:xfrm>
+            <a:off x="1499346" y="2353235"/>
+            <a:ext cx="9193306" cy="3039036"/>
+          </a:xfrm>
+        </p:spPr>
+        <p:txBody>
+          <a:bodyPr/>
+          <a:lstStyle/>
+          <a:p>
+            <a:r>
+              <a:rPr lang="es-CO" dirty="0" err="1"/>
+              <a:t>Db</a:t>
+            </a:r>
+            <a:r>
+              <a:rPr lang="es-CO" dirty="0"/>
+              <a:t>.&lt;</a:t>
+            </a:r>
+            <a:r>
+              <a:rPr lang="es-CO" dirty="0" err="1"/>
+              <a:t>coleccion</a:t>
+            </a:r>
+            <a:r>
+              <a:rPr lang="es-CO" dirty="0"/>
+              <a:t>&gt;.</a:t>
+            </a:r>
+            <a:r>
+              <a:rPr lang="es-CO" dirty="0" err="1"/>
+              <a:t>update</a:t>
+            </a:r>
+            <a:r>
+              <a:rPr lang="es-CO" dirty="0"/>
+              <a:t> (&lt;</a:t>
+            </a:r>
+            <a:r>
+              <a:rPr lang="es-CO" dirty="0" err="1"/>
+              <a:t>Query</a:t>
+            </a:r>
+            <a:r>
+              <a:rPr lang="es-CO" dirty="0"/>
+              <a:t>&gt;,{$orden:{&lt;JSON&gt;},&lt;&gt;)</a:t>
+            </a:r>
+          </a:p>
+          <a:p>
+            <a:r>
+              <a:rPr lang="es-CO" dirty="0"/>
+              <a:t>orden:</a:t>
+            </a:r>
+          </a:p>
+          <a:p>
+            <a:endParaRPr lang="es-CO" dirty="0"/>
+          </a:p>
+          <a:p>
+            <a:endParaRPr lang="es-CO" dirty="0"/>
+          </a:p>
+        </p:txBody>
+      </p:sp>
+      <p:sp>
+        <p:nvSpPr>
+          <p:cNvPr id="4" name="Título 1">
+            <a:extLst>
+              <a:ext uri="{FF2B5EF4-FFF2-40B4-BE49-F238E27FC236}">
+                <a16:creationId xmlns:a16="http://schemas.microsoft.com/office/drawing/2014/main" id="{D1C2444D-3AD9-426C-BE11-F836D85FEACB}"/>
+              </a:ext>
+            </a:extLst>
+          </p:cNvPr>
+          <p:cNvSpPr>
+            <a:spLocks noGrp="1"/>
+          </p:cNvSpPr>
+          <p:nvPr>
+            <p:ph type="title"/>
+          </p:nvPr>
+        </p:nvSpPr>
+        <p:spPr>
+          <a:xfrm>
+            <a:off x="4037702" y="817340"/>
+            <a:ext cx="4116595" cy="768889"/>
+          </a:xfrm>
+          <a:ln w="28575">
+            <a:solidFill>
+              <a:schemeClr val="accent5">
+                <a:lumMod val="60000"/>
+                <a:lumOff val="40000"/>
+              </a:schemeClr>
+            </a:solidFill>
+          </a:ln>
+        </p:spPr>
+        <p:txBody>
+          <a:bodyPr>
+            <a:normAutofit/>
+          </a:bodyPr>
+          <a:lstStyle/>
+          <a:p>
+            <a:pPr algn="ctr"/>
+            <a:r>
+              <a:rPr lang="es-CO" sz="3600" dirty="0" err="1"/>
+              <a:t>update</a:t>
+            </a:r>
+            <a:endParaRPr lang="es-CO" sz="3600" dirty="0"/>
+          </a:p>
+        </p:txBody>
+      </p:sp>
+    </p:spTree>
+    <p:extLst>
+      <p:ext uri="{BB962C8B-B14F-4D97-AF65-F5344CB8AC3E}">
+        <p14:creationId xmlns:p14="http://schemas.microsoft.com/office/powerpoint/2010/main" val="3733846707"/>
+      </p:ext>
+    </p:extLst>
+  </p:cSld>
+  <p:clrMapOvr>
+    <a:masterClrMapping/>
+  </p:clrMapOvr>
+</p:sld>
+</file>
+
+<file path=ppt/slides/slide33.xml><?xml version="1.0" encoding="utf-8"?>
+<p:sld xmlns:a="http://schemas.openxmlformats.org/drawingml/2006/main" xmlns:r="http://schemas.openxmlformats.org/officeDocument/2006/relationships" xmlns:p="http://schemas.openxmlformats.org/presentationml/2006/main">
+  <p:cSld>
+    <p:spTree>
+      <p:nvGrpSpPr>
+        <p:cNvPr id="1" name=""/>
+        <p:cNvGrpSpPr/>
+        <p:nvPr/>
+      </p:nvGrpSpPr>
+      <p:grpSpPr>
+        <a:xfrm>
+          <a:off x="0" y="0"/>
+          <a:ext cx="0" cy="0"/>
+          <a:chOff x="0" y="0"/>
+          <a:chExt cx="0" cy="0"/>
+        </a:xfrm>
+      </p:grpSpPr>
+      <p:pic>
+        <p:nvPicPr>
+          <p:cNvPr id="4" name="Imagen 3">
+            <a:extLst>
+              <a:ext uri="{FF2B5EF4-FFF2-40B4-BE49-F238E27FC236}">
+                <a16:creationId xmlns:a16="http://schemas.microsoft.com/office/drawing/2014/main" id="{482CC80D-BDD8-4BCF-8726-3A8B25A88195}"/>
+              </a:ext>
+            </a:extLst>
+          </p:cNvPr>
+          <p:cNvPicPr>
+            <a:picLocks noChangeAspect="1"/>
+          </p:cNvPicPr>
+          <p:nvPr/>
+        </p:nvPicPr>
+        <p:blipFill>
+          <a:blip r:embed="rId2"/>
+          <a:stretch>
+            <a:fillRect/>
+          </a:stretch>
+        </p:blipFill>
+        <p:spPr>
+          <a:xfrm>
+            <a:off x="2041985" y="491604"/>
+            <a:ext cx="9134725" cy="5874792"/>
+          </a:xfrm>
+          <a:prstGeom prst="rect">
+            <a:avLst/>
+          </a:prstGeom>
+        </p:spPr>
+      </p:pic>
+      <p:sp>
+        <p:nvSpPr>
+          <p:cNvPr id="5" name="CuadroTexto 4">
+            <a:extLst>
+              <a:ext uri="{FF2B5EF4-FFF2-40B4-BE49-F238E27FC236}">
+                <a16:creationId xmlns:a16="http://schemas.microsoft.com/office/drawing/2014/main" id="{20FC1DE2-AAA2-4E85-B704-8F4ACB7852AE}"/>
+              </a:ext>
+            </a:extLst>
+          </p:cNvPr>
+          <p:cNvSpPr txBox="1"/>
+          <p:nvPr/>
+        </p:nvSpPr>
+        <p:spPr>
+          <a:xfrm>
+            <a:off x="240879" y="1844842"/>
+            <a:ext cx="1548822" cy="461665"/>
+          </a:xfrm>
+          <a:prstGeom prst="rect">
+            <a:avLst/>
+          </a:prstGeom>
+          <a:noFill/>
+          <a:ln>
+            <a:solidFill>
+              <a:schemeClr val="accent2">
+                <a:lumMod val="40000"/>
+                <a:lumOff val="60000"/>
+              </a:schemeClr>
+            </a:solidFill>
+          </a:ln>
+        </p:spPr>
+        <p:txBody>
+          <a:bodyPr wrap="none" rtlCol="0">
+            <a:spAutoFit/>
+          </a:bodyPr>
+          <a:lstStyle/>
+          <a:p>
+            <a:r>
+              <a:rPr lang="es-CO" sz="2400" dirty="0"/>
+              <a:t>CAMPOS</a:t>
+            </a:r>
+          </a:p>
+        </p:txBody>
+      </p:sp>
+    </p:spTree>
+    <p:extLst>
+      <p:ext uri="{BB962C8B-B14F-4D97-AF65-F5344CB8AC3E}">
+        <p14:creationId xmlns:p14="http://schemas.microsoft.com/office/powerpoint/2010/main" val="275083645"/>
+      </p:ext>
+    </p:extLst>
+  </p:cSld>
+  <p:clrMapOvr>
+    <a:masterClrMapping/>
+  </p:clrMapOvr>
+</p:sld>
+</file>
+
+<file path=ppt/slides/slide34.xml><?xml version="1.0" encoding="utf-8"?>
+<p:sld xmlns:a="http://schemas.openxmlformats.org/drawingml/2006/main" xmlns:r="http://schemas.openxmlformats.org/officeDocument/2006/relationships" xmlns:p="http://schemas.openxmlformats.org/presentationml/2006/main">
+  <p:cSld>
+    <p:spTree>
+      <p:nvGrpSpPr>
+        <p:cNvPr id="1" name=""/>
+        <p:cNvGrpSpPr/>
+        <p:nvPr/>
+      </p:nvGrpSpPr>
+      <p:grpSpPr>
+        <a:xfrm>
+          <a:off x="0" y="0"/>
+          <a:ext cx="0" cy="0"/>
+          <a:chOff x="0" y="0"/>
+          <a:chExt cx="0" cy="0"/>
+        </a:xfrm>
+      </p:grpSpPr>
+      <p:pic>
+        <p:nvPicPr>
+          <p:cNvPr id="2" name="Imagen 1">
+            <a:extLst>
+              <a:ext uri="{FF2B5EF4-FFF2-40B4-BE49-F238E27FC236}">
+                <a16:creationId xmlns:a16="http://schemas.microsoft.com/office/drawing/2014/main" id="{39DDEF5B-FDB7-4F68-8251-9E56AD814C84}"/>
+              </a:ext>
+            </a:extLst>
+          </p:cNvPr>
+          <p:cNvPicPr>
+            <a:picLocks noChangeAspect="1"/>
+          </p:cNvPicPr>
+          <p:nvPr/>
+        </p:nvPicPr>
+        <p:blipFill>
+          <a:blip r:embed="rId2"/>
+          <a:stretch>
+            <a:fillRect/>
+          </a:stretch>
+        </p:blipFill>
+        <p:spPr>
+          <a:xfrm>
+            <a:off x="2364764" y="608723"/>
+            <a:ext cx="8810008" cy="5640554"/>
+          </a:xfrm>
+          <a:prstGeom prst="rect">
+            <a:avLst/>
+          </a:prstGeom>
+        </p:spPr>
+      </p:pic>
+      <p:sp>
+        <p:nvSpPr>
+          <p:cNvPr id="3" name="CuadroTexto 2">
+            <a:extLst>
+              <a:ext uri="{FF2B5EF4-FFF2-40B4-BE49-F238E27FC236}">
+                <a16:creationId xmlns:a16="http://schemas.microsoft.com/office/drawing/2014/main" id="{06AEE64A-8F10-4C68-AB46-10B9C54EC939}"/>
+              </a:ext>
+            </a:extLst>
+          </p:cNvPr>
+          <p:cNvSpPr txBox="1"/>
+          <p:nvPr/>
+        </p:nvSpPr>
+        <p:spPr>
+          <a:xfrm>
+            <a:off x="706100" y="1315452"/>
+            <a:ext cx="973343" cy="461665"/>
+          </a:xfrm>
+          <a:prstGeom prst="rect">
+            <a:avLst/>
+          </a:prstGeom>
+          <a:noFill/>
+          <a:ln>
+            <a:solidFill>
+              <a:schemeClr val="accent2">
+                <a:lumMod val="40000"/>
+                <a:lumOff val="60000"/>
+              </a:schemeClr>
+            </a:solidFill>
+          </a:ln>
+        </p:spPr>
+        <p:txBody>
+          <a:bodyPr wrap="none" rtlCol="0">
+            <a:spAutoFit/>
+          </a:bodyPr>
+          <a:lstStyle/>
+          <a:p>
+            <a:r>
+              <a:rPr lang="es-CO" sz="2400" dirty="0"/>
+              <a:t>Array</a:t>
+            </a:r>
+          </a:p>
+        </p:txBody>
+      </p:sp>
+    </p:spTree>
+    <p:extLst>
+      <p:ext uri="{BB962C8B-B14F-4D97-AF65-F5344CB8AC3E}">
+        <p14:creationId xmlns:p14="http://schemas.microsoft.com/office/powerpoint/2010/main" val="3612027419"/>
+      </p:ext>
+    </p:extLst>
+  </p:cSld>
+  <p:clrMapOvr>
+    <a:masterClrMapping/>
+  </p:clrMapOvr>
+</p:sld>
+</file>
+
+<file path=ppt/slides/slide35.xml><?xml version="1.0" encoding="utf-8"?>
+<p:sld xmlns:a="http://schemas.openxmlformats.org/drawingml/2006/main" xmlns:r="http://schemas.openxmlformats.org/officeDocument/2006/relationships" xmlns:p="http://schemas.openxmlformats.org/presentationml/2006/main">
+  <p:cSld>
+    <p:spTree>
+      <p:nvGrpSpPr>
+        <p:cNvPr id="1" name=""/>
+        <p:cNvGrpSpPr/>
+        <p:nvPr/>
+      </p:nvGrpSpPr>
+      <p:grpSpPr>
+        <a:xfrm>
+          <a:off x="0" y="0"/>
+          <a:ext cx="0" cy="0"/>
+          <a:chOff x="0" y="0"/>
+          <a:chExt cx="0" cy="0"/>
+        </a:xfrm>
+      </p:grpSpPr>
+      <p:pic>
+        <p:nvPicPr>
+          <p:cNvPr id="8" name="Imagen 7">
+            <a:extLst>
+              <a:ext uri="{FF2B5EF4-FFF2-40B4-BE49-F238E27FC236}">
+                <a16:creationId xmlns:a16="http://schemas.microsoft.com/office/drawing/2014/main" id="{0A5CEA74-D984-4D56-800C-ABC1FAD9854B}"/>
+              </a:ext>
+            </a:extLst>
+          </p:cNvPr>
+          <p:cNvPicPr>
+            <a:picLocks noChangeAspect="1"/>
+          </p:cNvPicPr>
+          <p:nvPr/>
+        </p:nvPicPr>
+        <p:blipFill>
+          <a:blip r:embed="rId2"/>
+          <a:stretch>
+            <a:fillRect/>
+          </a:stretch>
+        </p:blipFill>
+        <p:spPr>
+          <a:xfrm>
+            <a:off x="535151" y="1319212"/>
+            <a:ext cx="11121698" cy="4219575"/>
+          </a:xfrm>
+          <a:prstGeom prst="rect">
+            <a:avLst/>
+          </a:prstGeom>
+        </p:spPr>
+      </p:pic>
+    </p:spTree>
+    <p:extLst>
+      <p:ext uri="{BB962C8B-B14F-4D97-AF65-F5344CB8AC3E}">
+        <p14:creationId xmlns:p14="http://schemas.microsoft.com/office/powerpoint/2010/main" val="1067517040"/>
+      </p:ext>
+    </p:extLst>
+  </p:cSld>
+  <p:clrMapOvr>
+    <a:masterClrMapping/>
+  </p:clrMapOvr>
+</p:sld>
+</file>
+
+<file path=ppt/slides/slide36.xml><?xml version="1.0" encoding="utf-8"?>
+<p:sld xmlns:a="http://schemas.openxmlformats.org/drawingml/2006/main" xmlns:r="http://schemas.openxmlformats.org/officeDocument/2006/relationships" xmlns:p="http://schemas.openxmlformats.org/presentationml/2006/main">
+  <p:cSld>
+    <p:spTree>
+      <p:nvGrpSpPr>
+        <p:cNvPr id="1" name=""/>
+        <p:cNvGrpSpPr/>
+        <p:nvPr/>
+      </p:nvGrpSpPr>
+      <p:grpSpPr>
+        <a:xfrm>
+          <a:off x="0" y="0"/>
+          <a:ext cx="0" cy="0"/>
+          <a:chOff x="0" y="0"/>
+          <a:chExt cx="0" cy="0"/>
+        </a:xfrm>
+      </p:grpSpPr>
+      <p:pic>
+        <p:nvPicPr>
+          <p:cNvPr id="10" name="Imagen 9">
+            <a:extLst>
+              <a:ext uri="{FF2B5EF4-FFF2-40B4-BE49-F238E27FC236}">
+                <a16:creationId xmlns:a16="http://schemas.microsoft.com/office/drawing/2014/main" id="{585270C4-A7A8-494E-8B84-F8C3A792281D}"/>
+              </a:ext>
+            </a:extLst>
+          </p:cNvPr>
+          <p:cNvPicPr>
+            <a:picLocks noChangeAspect="1"/>
+          </p:cNvPicPr>
+          <p:nvPr/>
+        </p:nvPicPr>
+        <p:blipFill rotWithShape="1">
+          <a:blip r:embed="rId2"/>
+          <a:srcRect t="58246" r="57105" b="14620"/>
+          <a:stretch/>
+        </p:blipFill>
+        <p:spPr>
+          <a:xfrm>
+            <a:off x="483059" y="1431757"/>
+            <a:ext cx="11225881" cy="3994485"/>
+          </a:xfrm>
+          <a:prstGeom prst="rect">
+            <a:avLst/>
+          </a:prstGeom>
+        </p:spPr>
+      </p:pic>
+    </p:spTree>
+    <p:extLst>
+      <p:ext uri="{BB962C8B-B14F-4D97-AF65-F5344CB8AC3E}">
+        <p14:creationId xmlns:p14="http://schemas.microsoft.com/office/powerpoint/2010/main" val="3564389051"/>
+      </p:ext>
+    </p:extLst>
+  </p:cSld>
+  <p:clrMapOvr>
+    <a:masterClrMapping/>
+  </p:clrMapOvr>
+</p:sld>
+</file>
+
+<file path=ppt/slides/slide37.xml><?xml version="1.0" encoding="utf-8"?>
+<p:sld xmlns:a="http://schemas.openxmlformats.org/drawingml/2006/main" xmlns:r="http://schemas.openxmlformats.org/officeDocument/2006/relationships" xmlns:p="http://schemas.openxmlformats.org/presentationml/2006/main">
+  <p:cSld>
+    <p:spTree>
+      <p:nvGrpSpPr>
+        <p:cNvPr id="1" name=""/>
+        <p:cNvGrpSpPr/>
+        <p:nvPr/>
+      </p:nvGrpSpPr>
+      <p:grpSpPr>
+        <a:xfrm>
+          <a:off x="0" y="0"/>
+          <a:ext cx="0" cy="0"/>
+          <a:chOff x="0" y="0"/>
+          <a:chExt cx="0" cy="0"/>
+        </a:xfrm>
+      </p:grpSpPr>
+      <p:sp>
+        <p:nvSpPr>
+          <p:cNvPr id="3" name="Marcador de contenido 2">
+            <a:extLst>
+              <a:ext uri="{FF2B5EF4-FFF2-40B4-BE49-F238E27FC236}">
+                <a16:creationId xmlns:a16="http://schemas.microsoft.com/office/drawing/2014/main" id="{1F57DFE2-2A2C-4AE5-AA7D-686E9D4809AD}"/>
+              </a:ext>
+            </a:extLst>
+          </p:cNvPr>
+          <p:cNvSpPr>
+            <a:spLocks noGrp="1"/>
+          </p:cNvSpPr>
+          <p:nvPr>
+            <p:ph idx="1"/>
+          </p:nvPr>
+        </p:nvSpPr>
+        <p:spPr>
+          <a:xfrm>
+            <a:off x="1499346" y="2353235"/>
+            <a:ext cx="9193306" cy="3039036"/>
+          </a:xfrm>
+        </p:spPr>
+        <p:txBody>
+          <a:bodyPr/>
+          <a:lstStyle/>
+          <a:p>
+            <a:r>
+              <a:rPr lang="es-CO" dirty="0" err="1"/>
+              <a:t>Db</a:t>
+            </a:r>
+            <a:r>
+              <a:rPr lang="es-CO" dirty="0"/>
+              <a:t>.&lt;</a:t>
+            </a:r>
+            <a:r>
+              <a:rPr lang="es-CO" dirty="0" err="1"/>
+              <a:t>coleccion</a:t>
+            </a:r>
+            <a:r>
+              <a:rPr lang="es-CO" dirty="0"/>
+              <a:t>&gt;.</a:t>
+            </a:r>
+            <a:r>
+              <a:rPr lang="es-CO" dirty="0" err="1"/>
+              <a:t>remove</a:t>
+            </a:r>
+            <a:r>
+              <a:rPr lang="es-CO" dirty="0"/>
+              <a:t>(&lt;JSON&gt;)</a:t>
+            </a:r>
+          </a:p>
+          <a:p>
+            <a:endParaRPr lang="es-CO" dirty="0"/>
+          </a:p>
+          <a:p>
+            <a:endParaRPr lang="es-CO" dirty="0"/>
+          </a:p>
+        </p:txBody>
+      </p:sp>
+      <p:sp>
+        <p:nvSpPr>
+          <p:cNvPr id="4" name="Título 1">
+            <a:extLst>
+              <a:ext uri="{FF2B5EF4-FFF2-40B4-BE49-F238E27FC236}">
+                <a16:creationId xmlns:a16="http://schemas.microsoft.com/office/drawing/2014/main" id="{D1C2444D-3AD9-426C-BE11-F836D85FEACB}"/>
+              </a:ext>
+            </a:extLst>
+          </p:cNvPr>
+          <p:cNvSpPr>
+            <a:spLocks noGrp="1"/>
+          </p:cNvSpPr>
+          <p:nvPr>
+            <p:ph type="title"/>
+          </p:nvPr>
+        </p:nvSpPr>
+        <p:spPr>
+          <a:xfrm>
+            <a:off x="4037702" y="817340"/>
+            <a:ext cx="4116595" cy="768889"/>
+          </a:xfrm>
+          <a:ln w="28575">
+            <a:solidFill>
+              <a:schemeClr val="accent5">
+                <a:lumMod val="60000"/>
+                <a:lumOff val="40000"/>
+              </a:schemeClr>
+            </a:solidFill>
+          </a:ln>
+        </p:spPr>
+        <p:txBody>
+          <a:bodyPr>
+            <a:normAutofit/>
+          </a:bodyPr>
+          <a:lstStyle/>
+          <a:p>
+            <a:pPr algn="ctr"/>
+            <a:r>
+              <a:rPr lang="es-CO" sz="3600" dirty="0" err="1"/>
+              <a:t>delete</a:t>
+            </a:r>
+            <a:endParaRPr lang="es-CO" sz="3600" dirty="0"/>
+          </a:p>
+        </p:txBody>
+      </p:sp>
+    </p:spTree>
+    <p:extLst>
+      <p:ext uri="{BB962C8B-B14F-4D97-AF65-F5344CB8AC3E}">
+        <p14:creationId xmlns:p14="http://schemas.microsoft.com/office/powerpoint/2010/main" val="1551749847"/>
+      </p:ext>
+    </p:extLst>
+  </p:cSld>
+  <p:clrMapOvr>
+    <a:masterClrMapping/>
+  </p:clrMapOvr>
+</p:sld>
+</file>
+
+<file path=ppt/slides/slide38.xml><?xml version="1.0" encoding="utf-8"?>
+<p:sld xmlns:a="http://schemas.openxmlformats.org/drawingml/2006/main" xmlns:r="http://schemas.openxmlformats.org/officeDocument/2006/relationships" xmlns:p="http://schemas.openxmlformats.org/presentationml/2006/main">
+  <p:cSld>
+    <p:spTree>
+      <p:nvGrpSpPr>
+        <p:cNvPr id="1" name=""/>
+        <p:cNvGrpSpPr/>
+        <p:nvPr/>
+      </p:nvGrpSpPr>
+      <p:grpSpPr>
+        <a:xfrm>
+          <a:off x="0" y="0"/>
+          <a:ext cx="0" cy="0"/>
+          <a:chOff x="0" y="0"/>
+          <a:chExt cx="0" cy="0"/>
+        </a:xfrm>
+      </p:grpSpPr>
+      <p:sp>
+        <p:nvSpPr>
+          <p:cNvPr id="2" name="Título 1">
+            <a:extLst>
+              <a:ext uri="{FF2B5EF4-FFF2-40B4-BE49-F238E27FC236}">
+                <a16:creationId xmlns:a16="http://schemas.microsoft.com/office/drawing/2014/main" id="{69115CF5-C71D-4EF2-9A29-758589C54152}"/>
+              </a:ext>
+            </a:extLst>
+          </p:cNvPr>
+          <p:cNvSpPr>
+            <a:spLocks noGrp="1"/>
+          </p:cNvSpPr>
+          <p:nvPr>
+            <p:ph type="title"/>
+          </p:nvPr>
+        </p:nvSpPr>
+        <p:spPr>
+          <a:xfrm>
+            <a:off x="2908634" y="639315"/>
+            <a:ext cx="6374732" cy="1143727"/>
+          </a:xfrm>
+          <a:ln>
+            <a:solidFill>
+              <a:schemeClr val="accent1">
+                <a:lumMod val="60000"/>
+                <a:lumOff val="40000"/>
+              </a:schemeClr>
+            </a:solidFill>
+          </a:ln>
+        </p:spPr>
+        <p:txBody>
+          <a:bodyPr>
+            <a:normAutofit/>
+          </a:bodyPr>
+          <a:lstStyle/>
+          <a:p>
+            <a:pPr algn="ctr"/>
+            <a:r>
+              <a:rPr lang="es-CO" dirty="0"/>
+              <a:t>Formato</a:t>
+            </a:r>
+          </a:p>
+        </p:txBody>
+      </p:sp>
+      <p:sp>
+        <p:nvSpPr>
+          <p:cNvPr id="3" name="Marcador de contenido 2">
+            <a:extLst>
+              <a:ext uri="{FF2B5EF4-FFF2-40B4-BE49-F238E27FC236}">
+                <a16:creationId xmlns:a16="http://schemas.microsoft.com/office/drawing/2014/main" id="{4AD42C8C-8B68-4A4D-AF1D-EF32C4EBBB10}"/>
+              </a:ext>
+            </a:extLst>
+          </p:cNvPr>
+          <p:cNvSpPr>
+            <a:spLocks noGrp="1"/>
+          </p:cNvSpPr>
+          <p:nvPr>
+            <p:ph idx="1"/>
+          </p:nvPr>
+        </p:nvSpPr>
+        <p:spPr>
+          <a:xfrm>
+            <a:off x="944479" y="2598820"/>
+            <a:ext cx="10303042" cy="3308820"/>
+          </a:xfrm>
+        </p:spPr>
+        <p:txBody>
+          <a:bodyPr>
+            <a:noAutofit/>
+          </a:bodyPr>
+          <a:lstStyle/>
+          <a:p>
+            <a:r>
+              <a:rPr lang="es-CO" sz="2800" dirty="0" err="1"/>
+              <a:t>Databases</a:t>
+            </a:r>
+            <a:r>
+              <a:rPr lang="es-CO" sz="2800" dirty="0"/>
+              <a:t>.</a:t>
+            </a:r>
+          </a:p>
+          <a:p>
+            <a:r>
+              <a:rPr lang="es-CO" sz="2800" dirty="0"/>
+              <a:t>Colecciones.</a:t>
+            </a:r>
+          </a:p>
+          <a:p>
+            <a:r>
+              <a:rPr lang="es-CO" sz="2800" dirty="0"/>
+              <a:t>JSON: JavaScript </a:t>
+            </a:r>
+            <a:r>
+              <a:rPr lang="es-CO" sz="2800" dirty="0" err="1"/>
+              <a:t>Object</a:t>
+            </a:r>
+            <a:r>
+              <a:rPr lang="es-CO" sz="2800" dirty="0"/>
+              <a:t> </a:t>
+            </a:r>
+            <a:r>
+              <a:rPr lang="es-CO" sz="2800" dirty="0" err="1"/>
+              <a:t>Notation</a:t>
+            </a:r>
+            <a:r>
+              <a:rPr lang="es-CO" sz="2800" dirty="0"/>
+              <a:t>.</a:t>
+            </a:r>
+          </a:p>
+          <a:p>
+            <a:pPr lvl="1"/>
+            <a:r>
+              <a:rPr lang="es-CO" sz="2600" dirty="0"/>
+              <a:t>BSON: representación binaria de estructuras de datos y mapas. (Formato de almacenamiento interno).</a:t>
+            </a:r>
+            <a:r>
+              <a:rPr lang="es-CO" sz="2600" b="1" dirty="0"/>
+              <a:t>BSON</a:t>
+            </a:r>
+            <a:r>
+              <a:rPr lang="es-CO" sz="2600" dirty="0"/>
+              <a:t> está basado en el término JSON y significa </a:t>
+            </a:r>
+            <a:r>
+              <a:rPr lang="es-CO" sz="2600" dirty="0" err="1"/>
+              <a:t>Binary</a:t>
+            </a:r>
+            <a:r>
+              <a:rPr lang="es-CO" sz="2600" dirty="0"/>
+              <a:t> JSON (JSON Binario).</a:t>
+            </a:r>
+          </a:p>
+        </p:txBody>
+      </p:sp>
+    </p:spTree>
+    <p:extLst>
+      <p:ext uri="{BB962C8B-B14F-4D97-AF65-F5344CB8AC3E}">
+        <p14:creationId xmlns:p14="http://schemas.microsoft.com/office/powerpoint/2010/main" val="1557062862"/>
       </p:ext>
     </p:extLst>
   </p:cSld>
@@ -8199,8 +11259,8 @@
         </p:nvSpPr>
         <p:spPr>
           <a:xfrm>
-            <a:off x="685800" y="2998033"/>
-            <a:ext cx="10820400" cy="3220652"/>
+            <a:off x="1064028" y="2998033"/>
+            <a:ext cx="10442171" cy="3220652"/>
           </a:xfrm>
         </p:spPr>
         <p:txBody>

--- a/Introduccion a NoSql-Mongodb.pptx
+++ b/Introduccion a NoSql-Mongodb.pptx
@@ -42,7 +42,9 @@
     <p:sldId id="296" r:id="rId36"/>
     <p:sldId id="292" r:id="rId37"/>
     <p:sldId id="287" r:id="rId38"/>
-    <p:sldId id="274" r:id="rId39"/>
+    <p:sldId id="297" r:id="rId39"/>
+    <p:sldId id="298" r:id="rId40"/>
+    <p:sldId id="274" r:id="rId41"/>
   </p:sldIdLst>
   <p:sldSz cx="12192000" cy="6858000"/>
   <p:notesSz cx="6858000" cy="9144000"/>
@@ -5842,7 +5844,7 @@
         </p:nvSpPr>
         <p:spPr>
           <a:xfrm>
-            <a:off x="1644314" y="4048217"/>
+            <a:off x="1884123" y="4048217"/>
             <a:ext cx="5719012" cy="1256219"/>
           </a:xfrm>
           <a:ln>
@@ -5855,13 +5857,23 @@
           </a:bodyPr>
           <a:lstStyle/>
           <a:p>
-            <a:pPr marL="342900" indent="-342900" algn="ctr">
+            <a:pPr marL="342900" indent="-342900">
               <a:buFont typeface="Arial" panose="020B0604020202020204" pitchFamily="34" charset="0"/>
               <a:buChar char="•"/>
             </a:pPr>
             <a:r>
               <a:rPr lang="es-CO" sz="2400" dirty="0"/>
               <a:t>Andres Duván Chaves Mosquera</a:t>
+            </a:r>
+          </a:p>
+          <a:p>
+            <a:pPr marL="342900" indent="-342900">
+              <a:buFont typeface="Arial" panose="020B0604020202020204" pitchFamily="34" charset="0"/>
+              <a:buChar char="•"/>
+            </a:pPr>
+            <a:r>
+              <a:rPr lang="es-CO" sz="2400" dirty="0"/>
+              <a:t>Estudiante de Ingeniería de Sistemas y Computación.</a:t>
             </a:r>
           </a:p>
         </p:txBody>
@@ -7556,7 +7568,7 @@
             </a:r>
             <a:r>
               <a:rPr lang="es-CO" sz="2800" dirty="0"/>
-              <a:t>.</a:t>
+              <a:t>.(Sin esquema)</a:t>
             </a:r>
           </a:p>
           <a:p>
@@ -10714,8 +10726,8 @@
         </p:nvSpPr>
         <p:spPr>
           <a:xfrm>
-            <a:off x="1499346" y="2353235"/>
-            <a:ext cx="9193306" cy="3039036"/>
+            <a:off x="1499345" y="1754719"/>
+            <a:ext cx="5117586" cy="439841"/>
           </a:xfrm>
         </p:spPr>
         <p:txBody>
@@ -10773,7 +10785,7 @@
         </p:nvSpPr>
         <p:spPr>
           <a:xfrm>
-            <a:off x="4037702" y="817340"/>
+            <a:off x="4037701" y="586189"/>
             <a:ext cx="4116595" cy="768889"/>
           </a:xfrm>
           <a:ln w="28575">
@@ -10800,6 +10812,43 @@
           </a:p>
         </p:txBody>
       </p:sp>
+      <p:pic>
+        <p:nvPicPr>
+          <p:cNvPr id="2" name="Imagen 1">
+            <a:extLst>
+              <a:ext uri="{FF2B5EF4-FFF2-40B4-BE49-F238E27FC236}">
+                <a16:creationId xmlns:a16="http://schemas.microsoft.com/office/drawing/2014/main" id="{DC84A2F1-0E55-4B43-9E20-3F2A121B49DE}"/>
+              </a:ext>
+            </a:extLst>
+          </p:cNvPr>
+          <p:cNvPicPr>
+            <a:picLocks noChangeAspect="1"/>
+          </p:cNvPicPr>
+          <p:nvPr/>
+        </p:nvPicPr>
+        <p:blipFill rotWithShape="1">
+          <a:blip r:embed="rId2"/>
+          <a:srcRect t="50000" r="68159" b="3636"/>
+          <a:stretch/>
+        </p:blipFill>
+        <p:spPr>
+          <a:xfrm>
+            <a:off x="3709554" y="2362537"/>
+            <a:ext cx="4772892" cy="3909274"/>
+          </a:xfrm>
+          <a:prstGeom prst="rect">
+            <a:avLst/>
+          </a:prstGeom>
+          <a:ln>
+            <a:solidFill>
+              <a:schemeClr val="accent2">
+                <a:lumMod val="40000"/>
+                <a:lumOff val="60000"/>
+              </a:schemeClr>
+            </a:solidFill>
+          </a:ln>
+        </p:spPr>
+      </p:pic>
     </p:spTree>
     <p:extLst>
       <p:ext uri="{BB962C8B-B14F-4D97-AF65-F5344CB8AC3E}">
@@ -10832,10 +10881,10 @@
       </p:grpSpPr>
       <p:sp>
         <p:nvSpPr>
-          <p:cNvPr id="2" name="Título 1">
+          <p:cNvPr id="4" name="Título 1">
             <a:extLst>
               <a:ext uri="{FF2B5EF4-FFF2-40B4-BE49-F238E27FC236}">
-                <a16:creationId xmlns:a16="http://schemas.microsoft.com/office/drawing/2014/main" id="{69115CF5-C71D-4EF2-9A29-758589C54152}"/>
+                <a16:creationId xmlns:a16="http://schemas.microsoft.com/office/drawing/2014/main" id="{D1C2444D-3AD9-426C-BE11-F836D85FEACB}"/>
               </a:ext>
             </a:extLst>
           </p:cNvPr>
@@ -10848,12 +10897,12 @@
         </p:nvSpPr>
         <p:spPr>
           <a:xfrm>
-            <a:off x="2908634" y="639315"/>
-            <a:ext cx="6374732" cy="1143727"/>
-          </a:xfrm>
-          <a:ln>
+            <a:off x="4037701" y="586189"/>
+            <a:ext cx="4116595" cy="768889"/>
+          </a:xfrm>
+          <a:ln w="28575">
             <a:solidFill>
-              <a:schemeClr val="accent1">
+              <a:schemeClr val="accent5">
                 <a:lumMod val="60000"/>
                 <a:lumOff val="40000"/>
               </a:schemeClr>
@@ -10868,98 +10917,107 @@
           <a:p>
             <a:pPr algn="ctr"/>
             <a:r>
-              <a:rPr lang="es-CO" dirty="0"/>
-              <a:t>Formato</a:t>
-            </a:r>
-          </a:p>
-        </p:txBody>
-      </p:sp>
-      <p:sp>
-        <p:nvSpPr>
-          <p:cNvPr id="3" name="Marcador de contenido 2">
+              <a:rPr lang="es-CO" sz="3600" dirty="0"/>
+              <a:t>Funciones</a:t>
+            </a:r>
+          </a:p>
+        </p:txBody>
+      </p:sp>
+      <p:sp>
+        <p:nvSpPr>
+          <p:cNvPr id="7" name="CuadroTexto 6">
             <a:extLst>
               <a:ext uri="{FF2B5EF4-FFF2-40B4-BE49-F238E27FC236}">
-                <a16:creationId xmlns:a16="http://schemas.microsoft.com/office/drawing/2014/main" id="{4AD42C8C-8B68-4A4D-AF1D-EF32C4EBBB10}"/>
+                <a16:creationId xmlns:a16="http://schemas.microsoft.com/office/drawing/2014/main" id="{EB286103-E438-4861-BA24-E2BE90FDA71E}"/>
               </a:ext>
             </a:extLst>
           </p:cNvPr>
-          <p:cNvSpPr>
-            <a:spLocks noGrp="1"/>
-          </p:cNvSpPr>
-          <p:nvPr>
-            <p:ph idx="1"/>
-          </p:nvPr>
-        </p:nvSpPr>
-        <p:spPr>
-          <a:xfrm>
-            <a:off x="944479" y="2598820"/>
-            <a:ext cx="10303042" cy="3308820"/>
-          </a:xfrm>
-        </p:spPr>
-        <p:txBody>
-          <a:bodyPr>
-            <a:noAutofit/>
+          <p:cNvSpPr txBox="1"/>
+          <p:nvPr/>
+        </p:nvSpPr>
+        <p:spPr>
+          <a:xfrm>
+            <a:off x="2169621" y="1989766"/>
+            <a:ext cx="7572895" cy="3046988"/>
+          </a:xfrm>
+          <a:prstGeom prst="rect">
+            <a:avLst/>
+          </a:prstGeom>
+          <a:noFill/>
+        </p:spPr>
+        <p:txBody>
+          <a:bodyPr wrap="square" rtlCol="0">
+            <a:spAutoFit/>
           </a:bodyPr>
           <a:lstStyle/>
           <a:p>
             <a:r>
-              <a:rPr lang="es-CO" sz="2800" dirty="0" err="1"/>
-              <a:t>Databases</a:t>
-            </a:r>
-            <a:r>
-              <a:rPr lang="es-CO" sz="2800" dirty="0"/>
-              <a:t>.</a:t>
-            </a:r>
-          </a:p>
-          <a:p>
-            <a:r>
-              <a:rPr lang="es-CO" sz="2800" dirty="0"/>
-              <a:t>Colecciones.</a:t>
-            </a:r>
-          </a:p>
-          <a:p>
-            <a:r>
-              <a:rPr lang="es-CO" sz="2800" dirty="0"/>
-              <a:t>JSON: JavaScript </a:t>
-            </a:r>
-            <a:r>
-              <a:rPr lang="es-CO" sz="2800" dirty="0" err="1"/>
-              <a:t>Object</a:t>
-            </a:r>
-            <a:r>
-              <a:rPr lang="es-CO" sz="2800" dirty="0"/>
-              <a:t> </a:t>
-            </a:r>
-            <a:r>
-              <a:rPr lang="es-CO" sz="2800" dirty="0" err="1"/>
-              <a:t>Notation</a:t>
-            </a:r>
-            <a:r>
-              <a:rPr lang="es-CO" sz="2800" dirty="0"/>
-              <a:t>.</a:t>
-            </a:r>
-          </a:p>
-          <a:p>
-            <a:pPr lvl="1"/>
-            <a:r>
-              <a:rPr lang="es-CO" sz="2600" dirty="0"/>
-              <a:t>BSON: representación binaria de estructuras de datos y mapas. (Formato de almacenamiento interno).</a:t>
-            </a:r>
-            <a:r>
-              <a:rPr lang="es-CO" sz="2600" b="1" dirty="0"/>
-              <a:t>BSON</a:t>
-            </a:r>
-            <a:r>
-              <a:rPr lang="es-CO" sz="2600" dirty="0"/>
-              <a:t> está basado en el término JSON y significa </a:t>
-            </a:r>
-            <a:r>
-              <a:rPr lang="es-CO" sz="2600" dirty="0" err="1"/>
-              <a:t>Binary</a:t>
-            </a:r>
-            <a:r>
-              <a:rPr lang="es-CO" sz="2600" dirty="0"/>
-              <a:t> JSON (JSON Binario).</a:t>
+              <a:rPr lang="es-CO" sz="2400" dirty="0" err="1"/>
+              <a:t>db.system.js.save</a:t>
+            </a:r>
+            <a:r>
+              <a:rPr lang="es-CO" sz="2400" dirty="0"/>
+              <a:t>({</a:t>
+            </a:r>
+          </a:p>
+          <a:p>
+            <a:r>
+              <a:rPr lang="es-CO" sz="2400" dirty="0"/>
+              <a:t>_id:”&lt;Nombre de la </a:t>
+            </a:r>
+            <a:r>
+              <a:rPr lang="es-CO" sz="2400" dirty="0" err="1"/>
+              <a:t>funcion</a:t>
+            </a:r>
+            <a:r>
+              <a:rPr lang="es-CO" sz="2400" dirty="0"/>
+              <a:t>&gt;”,</a:t>
+            </a:r>
+          </a:p>
+          <a:p>
+            <a:r>
+              <a:rPr lang="es-CO" sz="2400" dirty="0" err="1"/>
+              <a:t>Value</a:t>
+            </a:r>
+            <a:r>
+              <a:rPr lang="es-CO" sz="2400" dirty="0"/>
+              <a:t>: </a:t>
+            </a:r>
+            <a:r>
+              <a:rPr lang="es-CO" sz="2400" dirty="0" err="1"/>
+              <a:t>function</a:t>
+            </a:r>
+            <a:r>
+              <a:rPr lang="es-CO" sz="2400" dirty="0"/>
+              <a:t>(&lt;parámetros de entrada&gt;){</a:t>
+            </a:r>
+          </a:p>
+          <a:p>
+            <a:r>
+              <a:rPr lang="es-CO" sz="2400" dirty="0"/>
+              <a:t>&lt;CONTENIDO&gt;</a:t>
+            </a:r>
+          </a:p>
+          <a:p>
+            <a:r>
+              <a:rPr lang="es-CO" sz="2400" dirty="0"/>
+              <a:t>}})</a:t>
+            </a:r>
+          </a:p>
+          <a:p>
+            <a:endParaRPr lang="es-CO" sz="2400" dirty="0"/>
+          </a:p>
+          <a:p>
+            <a:endParaRPr lang="es-CO" sz="2400" dirty="0"/>
+          </a:p>
+          <a:p>
+            <a:r>
+              <a:rPr lang="es-CO" sz="2400" dirty="0" err="1"/>
+              <a:t>db.loadServerScripts</a:t>
+            </a:r>
+            <a:r>
+              <a:rPr lang="es-CO" sz="2400" dirty="0"/>
+              <a:t>()</a:t>
             </a:r>
           </a:p>
         </p:txBody>
@@ -10967,7 +11025,228 @@
     </p:spTree>
     <p:extLst>
       <p:ext uri="{BB962C8B-B14F-4D97-AF65-F5344CB8AC3E}">
-        <p14:creationId xmlns:p14="http://schemas.microsoft.com/office/powerpoint/2010/main" val="1557062862"/>
+        <p14:creationId xmlns:p14="http://schemas.microsoft.com/office/powerpoint/2010/main" val="1487934602"/>
+      </p:ext>
+    </p:extLst>
+  </p:cSld>
+  <p:clrMapOvr>
+    <a:masterClrMapping/>
+  </p:clrMapOvr>
+</p:sld>
+</file>
+
+<file path=ppt/slides/slide39.xml><?xml version="1.0" encoding="utf-8"?>
+<p:sld xmlns:a="http://schemas.openxmlformats.org/drawingml/2006/main" xmlns:r="http://schemas.openxmlformats.org/officeDocument/2006/relationships" xmlns:p="http://schemas.openxmlformats.org/presentationml/2006/main">
+  <p:cSld>
+    <p:spTree>
+      <p:nvGrpSpPr>
+        <p:cNvPr id="1" name=""/>
+        <p:cNvGrpSpPr/>
+        <p:nvPr/>
+      </p:nvGrpSpPr>
+      <p:grpSpPr>
+        <a:xfrm>
+          <a:off x="0" y="0"/>
+          <a:ext cx="0" cy="0"/>
+          <a:chOff x="0" y="0"/>
+          <a:chExt cx="0" cy="0"/>
+        </a:xfrm>
+      </p:grpSpPr>
+      <p:sp>
+        <p:nvSpPr>
+          <p:cNvPr id="4" name="Título 1">
+            <a:extLst>
+              <a:ext uri="{FF2B5EF4-FFF2-40B4-BE49-F238E27FC236}">
+                <a16:creationId xmlns:a16="http://schemas.microsoft.com/office/drawing/2014/main" id="{D1C2444D-3AD9-426C-BE11-F836D85FEACB}"/>
+              </a:ext>
+            </a:extLst>
+          </p:cNvPr>
+          <p:cNvSpPr>
+            <a:spLocks noGrp="1"/>
+          </p:cNvSpPr>
+          <p:nvPr>
+            <p:ph type="title"/>
+          </p:nvPr>
+        </p:nvSpPr>
+        <p:spPr>
+          <a:xfrm>
+            <a:off x="4037702" y="273307"/>
+            <a:ext cx="4116595" cy="768889"/>
+          </a:xfrm>
+          <a:ln w="28575">
+            <a:solidFill>
+              <a:schemeClr val="accent5">
+                <a:lumMod val="60000"/>
+                <a:lumOff val="40000"/>
+              </a:schemeClr>
+            </a:solidFill>
+          </a:ln>
+        </p:spPr>
+        <p:txBody>
+          <a:bodyPr>
+            <a:normAutofit/>
+          </a:bodyPr>
+          <a:lstStyle/>
+          <a:p>
+            <a:pPr algn="ctr"/>
+            <a:r>
+              <a:rPr lang="es-CO" sz="3600" dirty="0"/>
+              <a:t>Funciones</a:t>
+            </a:r>
+          </a:p>
+        </p:txBody>
+      </p:sp>
+      <p:grpSp>
+        <p:nvGrpSpPr>
+          <p:cNvPr id="9" name="Grupo 8">
+            <a:extLst>
+              <a:ext uri="{FF2B5EF4-FFF2-40B4-BE49-F238E27FC236}">
+                <a16:creationId xmlns:a16="http://schemas.microsoft.com/office/drawing/2014/main" id="{5864A512-CB31-4D7F-BEB9-AC1E38DAE6FE}"/>
+              </a:ext>
+            </a:extLst>
+          </p:cNvPr>
+          <p:cNvGrpSpPr/>
+          <p:nvPr/>
+        </p:nvGrpSpPr>
+        <p:grpSpPr>
+          <a:xfrm>
+            <a:off x="2070560" y="1197135"/>
+            <a:ext cx="8050879" cy="5287805"/>
+            <a:chOff x="2845721" y="1355078"/>
+            <a:chExt cx="6500553" cy="4073133"/>
+          </a:xfrm>
+        </p:grpSpPr>
+        <p:pic>
+          <p:nvPicPr>
+            <p:cNvPr id="3" name="Imagen 2">
+              <a:extLst>
+                <a:ext uri="{FF2B5EF4-FFF2-40B4-BE49-F238E27FC236}">
+                  <a16:creationId xmlns:a16="http://schemas.microsoft.com/office/drawing/2014/main" id="{4202D9C3-FA58-44CB-B54E-09ADA32CF3B6}"/>
+                </a:ext>
+              </a:extLst>
+            </p:cNvPr>
+            <p:cNvPicPr>
+              <a:picLocks noChangeAspect="1"/>
+            </p:cNvPicPr>
+            <p:nvPr/>
+          </p:nvPicPr>
+          <p:blipFill rotWithShape="1">
+            <a:blip r:embed="rId2"/>
+            <a:srcRect t="44242" r="46682" b="41819"/>
+            <a:stretch/>
+          </p:blipFill>
+          <p:spPr>
+            <a:xfrm>
+              <a:off x="2845721" y="1355078"/>
+              <a:ext cx="6500553" cy="955965"/>
+            </a:xfrm>
+            <a:prstGeom prst="rect">
+              <a:avLst/>
+            </a:prstGeom>
+          </p:spPr>
+        </p:pic>
+        <p:pic>
+          <p:nvPicPr>
+            <p:cNvPr id="7" name="Imagen 6">
+              <a:extLst>
+                <a:ext uri="{FF2B5EF4-FFF2-40B4-BE49-F238E27FC236}">
+                  <a16:creationId xmlns:a16="http://schemas.microsoft.com/office/drawing/2014/main" id="{8AB8A06F-1971-4752-A3BD-C19B8EB49C7D}"/>
+                </a:ext>
+              </a:extLst>
+            </p:cNvPr>
+            <p:cNvPicPr>
+              <a:picLocks noChangeAspect="1"/>
+            </p:cNvPicPr>
+            <p:nvPr/>
+          </p:nvPicPr>
+          <p:blipFill rotWithShape="1">
+            <a:blip r:embed="rId3"/>
+            <a:srcRect t="30788" r="68773" b="26182"/>
+            <a:stretch/>
+          </p:blipFill>
+          <p:spPr>
+            <a:xfrm>
+              <a:off x="2845721" y="2477192"/>
+              <a:ext cx="3807229" cy="2951019"/>
+            </a:xfrm>
+            <a:prstGeom prst="rect">
+              <a:avLst/>
+            </a:prstGeom>
+          </p:spPr>
+        </p:pic>
+        <p:pic>
+          <p:nvPicPr>
+            <p:cNvPr id="8" name="Imagen 7">
+              <a:extLst>
+                <a:ext uri="{FF2B5EF4-FFF2-40B4-BE49-F238E27FC236}">
+                  <a16:creationId xmlns:a16="http://schemas.microsoft.com/office/drawing/2014/main" id="{ED24E3C4-B99A-4C82-BB65-18C3789C63CA}"/>
+                </a:ext>
+              </a:extLst>
+            </p:cNvPr>
+            <p:cNvPicPr>
+              <a:picLocks noChangeAspect="1"/>
+            </p:cNvPicPr>
+            <p:nvPr/>
+          </p:nvPicPr>
+          <p:blipFill rotWithShape="1">
+            <a:blip r:embed="rId3"/>
+            <a:srcRect t="15515" r="84864" b="82061"/>
+            <a:stretch/>
+          </p:blipFill>
+          <p:spPr>
+            <a:xfrm>
+              <a:off x="2845721" y="2310937"/>
+              <a:ext cx="1845425" cy="166255"/>
+            </a:xfrm>
+            <a:prstGeom prst="rect">
+              <a:avLst/>
+            </a:prstGeom>
+          </p:spPr>
+        </p:pic>
+      </p:grpSp>
+      <p:cxnSp>
+        <p:nvCxnSpPr>
+          <p:cNvPr id="11" name="Conector recto de flecha 10">
+            <a:extLst>
+              <a:ext uri="{FF2B5EF4-FFF2-40B4-BE49-F238E27FC236}">
+                <a16:creationId xmlns:a16="http://schemas.microsoft.com/office/drawing/2014/main" id="{4B8CE78B-C139-4BD6-95D9-C8E92FC1838D}"/>
+              </a:ext>
+            </a:extLst>
+          </p:cNvPr>
+          <p:cNvCxnSpPr/>
+          <p:nvPr/>
+        </p:nvCxnSpPr>
+        <p:spPr>
+          <a:xfrm flipH="1">
+            <a:off x="5430981" y="5735781"/>
+            <a:ext cx="897775" cy="0"/>
+          </a:xfrm>
+          <a:prstGeom prst="straightConnector1">
+            <a:avLst/>
+          </a:prstGeom>
+          <a:ln w="76200">
+            <a:tailEnd type="triangle"/>
+          </a:ln>
+        </p:spPr>
+        <p:style>
+          <a:lnRef idx="1">
+            <a:schemeClr val="accent1"/>
+          </a:lnRef>
+          <a:fillRef idx="0">
+            <a:schemeClr val="accent1"/>
+          </a:fillRef>
+          <a:effectRef idx="0">
+            <a:schemeClr val="accent1"/>
+          </a:effectRef>
+          <a:fontRef idx="minor">
+            <a:schemeClr val="tx1"/>
+          </a:fontRef>
+        </p:style>
+      </p:cxnSp>
+    </p:spTree>
+    <p:extLst>
+      <p:ext uri="{BB962C8B-B14F-4D97-AF65-F5344CB8AC3E}">
+        <p14:creationId xmlns:p14="http://schemas.microsoft.com/office/powerpoint/2010/main" val="1418091090"/>
       </p:ext>
     </p:extLst>
   </p:cSld>
@@ -11045,6 +11324,124 @@
     <p:extLst>
       <p:ext uri="{BB962C8B-B14F-4D97-AF65-F5344CB8AC3E}">
         <p14:creationId xmlns:p14="http://schemas.microsoft.com/office/powerpoint/2010/main" val="4284697639"/>
+      </p:ext>
+    </p:extLst>
+  </p:cSld>
+  <p:clrMapOvr>
+    <a:masterClrMapping/>
+  </p:clrMapOvr>
+</p:sld>
+</file>
+
+<file path=ppt/slides/slide40.xml><?xml version="1.0" encoding="utf-8"?>
+<p:sld xmlns:a="http://schemas.openxmlformats.org/drawingml/2006/main" xmlns:r="http://schemas.openxmlformats.org/officeDocument/2006/relationships" xmlns:p="http://schemas.openxmlformats.org/presentationml/2006/main">
+  <p:cSld>
+    <p:spTree>
+      <p:nvGrpSpPr>
+        <p:cNvPr id="1" name=""/>
+        <p:cNvGrpSpPr/>
+        <p:nvPr/>
+      </p:nvGrpSpPr>
+      <p:grpSpPr>
+        <a:xfrm>
+          <a:off x="0" y="0"/>
+          <a:ext cx="0" cy="0"/>
+          <a:chOff x="0" y="0"/>
+          <a:chExt cx="0" cy="0"/>
+        </a:xfrm>
+      </p:grpSpPr>
+      <p:sp>
+        <p:nvSpPr>
+          <p:cNvPr id="2" name="Título 1">
+            <a:extLst>
+              <a:ext uri="{FF2B5EF4-FFF2-40B4-BE49-F238E27FC236}">
+                <a16:creationId xmlns:a16="http://schemas.microsoft.com/office/drawing/2014/main" id="{69115CF5-C71D-4EF2-9A29-758589C54152}"/>
+              </a:ext>
+            </a:extLst>
+          </p:cNvPr>
+          <p:cNvSpPr>
+            <a:spLocks noGrp="1"/>
+          </p:cNvSpPr>
+          <p:nvPr>
+            <p:ph type="title"/>
+          </p:nvPr>
+        </p:nvSpPr>
+        <p:spPr>
+          <a:xfrm>
+            <a:off x="2908634" y="639315"/>
+            <a:ext cx="6374732" cy="1143727"/>
+          </a:xfrm>
+          <a:ln>
+            <a:solidFill>
+              <a:schemeClr val="accent1">
+                <a:lumMod val="60000"/>
+                <a:lumOff val="40000"/>
+              </a:schemeClr>
+            </a:solidFill>
+          </a:ln>
+        </p:spPr>
+        <p:txBody>
+          <a:bodyPr>
+            <a:normAutofit/>
+          </a:bodyPr>
+          <a:lstStyle/>
+          <a:p>
+            <a:pPr algn="ctr"/>
+            <a:r>
+              <a:rPr lang="es-CO" dirty="0"/>
+              <a:t>Actividad</a:t>
+            </a:r>
+          </a:p>
+        </p:txBody>
+      </p:sp>
+      <p:sp>
+        <p:nvSpPr>
+          <p:cNvPr id="3" name="Marcador de contenido 2">
+            <a:extLst>
+              <a:ext uri="{FF2B5EF4-FFF2-40B4-BE49-F238E27FC236}">
+                <a16:creationId xmlns:a16="http://schemas.microsoft.com/office/drawing/2014/main" id="{4AD42C8C-8B68-4A4D-AF1D-EF32C4EBBB10}"/>
+              </a:ext>
+            </a:extLst>
+          </p:cNvPr>
+          <p:cNvSpPr>
+            <a:spLocks noGrp="1"/>
+          </p:cNvSpPr>
+          <p:nvPr>
+            <p:ph idx="1"/>
+          </p:nvPr>
+        </p:nvSpPr>
+        <p:spPr>
+          <a:xfrm>
+            <a:off x="944479" y="2598820"/>
+            <a:ext cx="10303042" cy="3308820"/>
+          </a:xfrm>
+        </p:spPr>
+        <p:txBody>
+          <a:bodyPr>
+            <a:noAutofit/>
+          </a:bodyPr>
+          <a:lstStyle/>
+          <a:p>
+            <a:r>
+              <a:rPr lang="es-CO" sz="2800" dirty="0"/>
+              <a:t>Para el jueves 23 de enero, implementar una base de datos en </a:t>
+            </a:r>
+            <a:r>
+              <a:rPr lang="es-CO" sz="2800" dirty="0" err="1"/>
+              <a:t>mongodb</a:t>
+            </a:r>
+            <a:r>
+              <a:rPr lang="es-CO" sz="2800" dirty="0"/>
+              <a:t> que solucione el problema que se enviara por correo.</a:t>
+            </a:r>
+            <a:endParaRPr lang="es-CO" sz="2600" dirty="0"/>
+          </a:p>
+        </p:txBody>
+      </p:sp>
+    </p:spTree>
+    <p:extLst>
+      <p:ext uri="{BB962C8B-B14F-4D97-AF65-F5344CB8AC3E}">
+        <p14:creationId xmlns:p14="http://schemas.microsoft.com/office/powerpoint/2010/main" val="1557062862"/>
       </p:ext>
     </p:extLst>
   </p:cSld>

--- a/Introduccion a NoSql-Mongodb.pptx
+++ b/Introduccion a NoSql-Mongodb.pptx
@@ -321,7 +321,7 @@
           <a:p>
             <a:fld id="{4A50D591-C8BC-4E9A-BE09-2088E8DD3155}" type="datetimeFigureOut">
               <a:rPr lang="es-CO" smtClean="0"/>
-              <a:t>19/01/2020</a:t>
+              <a:t>22/01/2020</a:t>
             </a:fld>
             <a:endParaRPr lang="es-CO"/>
           </a:p>
@@ -588,7 +588,7 @@
           <a:p>
             <a:fld id="{4A50D591-C8BC-4E9A-BE09-2088E8DD3155}" type="datetimeFigureOut">
               <a:rPr lang="es-CO" smtClean="0"/>
-              <a:t>19/01/2020</a:t>
+              <a:t>22/01/2020</a:t>
             </a:fld>
             <a:endParaRPr lang="es-CO"/>
           </a:p>
@@ -819,7 +819,7 @@
           <a:p>
             <a:fld id="{4A50D591-C8BC-4E9A-BE09-2088E8DD3155}" type="datetimeFigureOut">
               <a:rPr lang="es-CO" smtClean="0"/>
-              <a:t>19/01/2020</a:t>
+              <a:t>22/01/2020</a:t>
             </a:fld>
             <a:endParaRPr lang="es-CO"/>
           </a:p>
@@ -1129,7 +1129,7 @@
           <a:p>
             <a:fld id="{4A50D591-C8BC-4E9A-BE09-2088E8DD3155}" type="datetimeFigureOut">
               <a:rPr lang="es-CO" smtClean="0"/>
-              <a:t>19/01/2020</a:t>
+              <a:t>22/01/2020</a:t>
             </a:fld>
             <a:endParaRPr lang="es-CO"/>
           </a:p>
@@ -1602,7 +1602,7 @@
           <a:p>
             <a:fld id="{4A50D591-C8BC-4E9A-BE09-2088E8DD3155}" type="datetimeFigureOut">
               <a:rPr lang="es-CO" smtClean="0"/>
-              <a:t>19/01/2020</a:t>
+              <a:t>22/01/2020</a:t>
             </a:fld>
             <a:endParaRPr lang="es-CO"/>
           </a:p>
@@ -2149,7 +2149,7 @@
           <a:p>
             <a:fld id="{4A50D591-C8BC-4E9A-BE09-2088E8DD3155}" type="datetimeFigureOut">
               <a:rPr lang="es-CO" smtClean="0"/>
-              <a:t>19/01/2020</a:t>
+              <a:t>22/01/2020</a:t>
             </a:fld>
             <a:endParaRPr lang="es-CO"/>
           </a:p>
@@ -2923,7 +2923,7 @@
           <a:p>
             <a:fld id="{4A50D591-C8BC-4E9A-BE09-2088E8DD3155}" type="datetimeFigureOut">
               <a:rPr lang="es-CO" smtClean="0"/>
-              <a:t>19/01/2020</a:t>
+              <a:t>22/01/2020</a:t>
             </a:fld>
             <a:endParaRPr lang="es-CO"/>
           </a:p>
@@ -3098,7 +3098,7 @@
           <a:p>
             <a:fld id="{4A50D591-C8BC-4E9A-BE09-2088E8DD3155}" type="datetimeFigureOut">
               <a:rPr lang="es-CO" smtClean="0"/>
-              <a:t>19/01/2020</a:t>
+              <a:t>22/01/2020</a:t>
             </a:fld>
             <a:endParaRPr lang="es-CO"/>
           </a:p>
@@ -3321,7 +3321,7 @@
           <a:p>
             <a:fld id="{4A50D591-C8BC-4E9A-BE09-2088E8DD3155}" type="datetimeFigureOut">
               <a:rPr lang="es-CO" smtClean="0"/>
-              <a:t>19/01/2020</a:t>
+              <a:t>22/01/2020</a:t>
             </a:fld>
             <a:endParaRPr lang="es-CO"/>
           </a:p>
@@ -3501,7 +3501,7 @@
           <a:p>
             <a:fld id="{4A50D591-C8BC-4E9A-BE09-2088E8DD3155}" type="datetimeFigureOut">
               <a:rPr lang="es-CO" smtClean="0"/>
-              <a:t>19/01/2020</a:t>
+              <a:t>22/01/2020</a:t>
             </a:fld>
             <a:endParaRPr lang="es-CO"/>
           </a:p>
@@ -3790,7 +3790,7 @@
           <a:p>
             <a:fld id="{4A50D591-C8BC-4E9A-BE09-2088E8DD3155}" type="datetimeFigureOut">
               <a:rPr lang="es-CO" smtClean="0"/>
-              <a:t>19/01/2020</a:t>
+              <a:t>22/01/2020</a:t>
             </a:fld>
             <a:endParaRPr lang="es-CO"/>
           </a:p>
@@ -4032,7 +4032,7 @@
           <a:p>
             <a:fld id="{4A50D591-C8BC-4E9A-BE09-2088E8DD3155}" type="datetimeFigureOut">
               <a:rPr lang="es-CO" smtClean="0"/>
-              <a:t>19/01/2020</a:t>
+              <a:t>22/01/2020</a:t>
             </a:fld>
             <a:endParaRPr lang="es-CO"/>
           </a:p>
@@ -4411,7 +4411,7 @@
           <a:p>
             <a:fld id="{4A50D591-C8BC-4E9A-BE09-2088E8DD3155}" type="datetimeFigureOut">
               <a:rPr lang="es-CO" smtClean="0"/>
-              <a:t>19/01/2020</a:t>
+              <a:t>22/01/2020</a:t>
             </a:fld>
             <a:endParaRPr lang="es-CO"/>
           </a:p>
@@ -4529,7 +4529,7 @@
           <a:p>
             <a:fld id="{4A50D591-C8BC-4E9A-BE09-2088E8DD3155}" type="datetimeFigureOut">
               <a:rPr lang="es-CO" smtClean="0"/>
-              <a:t>19/01/2020</a:t>
+              <a:t>22/01/2020</a:t>
             </a:fld>
             <a:endParaRPr lang="es-CO"/>
           </a:p>
@@ -4624,7 +4624,7 @@
           <a:p>
             <a:fld id="{4A50D591-C8BC-4E9A-BE09-2088E8DD3155}" type="datetimeFigureOut">
               <a:rPr lang="es-CO" smtClean="0"/>
-              <a:t>19/01/2020</a:t>
+              <a:t>22/01/2020</a:t>
             </a:fld>
             <a:endParaRPr lang="es-CO"/>
           </a:p>
@@ -4873,7 +4873,7 @@
           <a:p>
             <a:fld id="{4A50D591-C8BC-4E9A-BE09-2088E8DD3155}" type="datetimeFigureOut">
               <a:rPr lang="es-CO" smtClean="0"/>
-              <a:t>19/01/2020</a:t>
+              <a:t>22/01/2020</a:t>
             </a:fld>
             <a:endParaRPr lang="es-CO"/>
           </a:p>
@@ -5130,7 +5130,7 @@
           <a:p>
             <a:fld id="{4A50D591-C8BC-4E9A-BE09-2088E8DD3155}" type="datetimeFigureOut">
               <a:rPr lang="es-CO" smtClean="0"/>
-              <a:t>19/01/2020</a:t>
+              <a:t>22/01/2020</a:t>
             </a:fld>
             <a:endParaRPr lang="es-CO"/>
           </a:p>
@@ -5373,7 +5373,7 @@
           <a:p>
             <a:fld id="{4A50D591-C8BC-4E9A-BE09-2088E8DD3155}" type="datetimeFigureOut">
               <a:rPr lang="es-CO" smtClean="0"/>
-              <a:t>19/01/2020</a:t>
+              <a:t>22/01/2020</a:t>
             </a:fld>
             <a:endParaRPr lang="es-CO"/>
           </a:p>
@@ -5872,8 +5872,12 @@
               <a:buChar char="•"/>
             </a:pPr>
             <a:r>
+              <a:rPr lang="es-CO" sz="2400" dirty="0" err="1"/>
+              <a:t>Est</a:t>
+            </a:r>
+            <a:r>
               <a:rPr lang="es-CO" sz="2400" dirty="0"/>
-              <a:t>Estudiante de Ingeniería de Sistemas y Computación.</a:t>
+              <a:t>. de Ingeniería de Sistemas y Computación.</a:t>
             </a:r>
           </a:p>
         </p:txBody>
@@ -11819,11 +11823,13 @@
             <a:pPr lvl="1"/>
             <a:r>
               <a:rPr lang="es-CO" dirty="0"/>
-              <a:t>Siempre funcionando</a:t>
-            </a:r>
-          </a:p>
-          <a:p>
-            <a:pPr lvl="1"/>
+              <a:t>Versatilidad</a:t>
+            </a:r>
+          </a:p>
+          <a:p>
+            <a:pPr marL="457200" lvl="1" indent="0">
+              <a:buNone/>
+            </a:pPr>
             <a:endParaRPr lang="es-CO" dirty="0"/>
           </a:p>
         </p:txBody>
